--- a/documents/Grafiken_Hochkant.pptx
+++ b/documents/Grafiken_Hochkant.pptx
@@ -8,6 +8,7 @@
     <p:sldId id="257" r:id="rId2"/>
     <p:sldId id="258" r:id="rId3"/>
     <p:sldId id="259" r:id="rId4"/>
+    <p:sldId id="260" r:id="rId5"/>
   </p:sldIdLst>
   <p:sldSz cx="6858000" cy="9906000" type="A4"/>
   <p:notesSz cx="6858000" cy="9144000"/>
@@ -106,6 +107,11 @@
       </a:defRPr>
     </a:lvl9pPr>
   </p:defaultTextStyle>
+  <p:extLst>
+    <p:ext uri="{EFAFB233-063F-42B5-8137-9DF3F51BA10A}">
+      <p15:sldGuideLst xmlns:p15="http://schemas.microsoft.com/office/powerpoint/2012/main"/>
+    </p:ext>
+  </p:extLst>
 </p:presentation>
 </file>
 
@@ -240,7 +246,7 @@
           <a:p>
             <a:fld id="{D2790825-B6EE-7947-AFF3-003119ADE192}" type="datetimeFigureOut">
               <a:rPr lang="de-DE" smtClean="0"/>
-              <a:t>11.03.25</a:t>
+              <a:t>17.03.25</a:t>
             </a:fld>
             <a:endParaRPr lang="de-DE"/>
           </a:p>
@@ -410,7 +416,7 @@
           <a:p>
             <a:fld id="{D2790825-B6EE-7947-AFF3-003119ADE192}" type="datetimeFigureOut">
               <a:rPr lang="de-DE" smtClean="0"/>
-              <a:t>11.03.25</a:t>
+              <a:t>17.03.25</a:t>
             </a:fld>
             <a:endParaRPr lang="de-DE"/>
           </a:p>
@@ -590,7 +596,7 @@
           <a:p>
             <a:fld id="{D2790825-B6EE-7947-AFF3-003119ADE192}" type="datetimeFigureOut">
               <a:rPr lang="de-DE" smtClean="0"/>
-              <a:t>11.03.25</a:t>
+              <a:t>17.03.25</a:t>
             </a:fld>
             <a:endParaRPr lang="de-DE"/>
           </a:p>
@@ -760,7 +766,7 @@
           <a:p>
             <a:fld id="{D2790825-B6EE-7947-AFF3-003119ADE192}" type="datetimeFigureOut">
               <a:rPr lang="de-DE" smtClean="0"/>
-              <a:t>11.03.25</a:t>
+              <a:t>17.03.25</a:t>
             </a:fld>
             <a:endParaRPr lang="de-DE"/>
           </a:p>
@@ -1006,7 +1012,7 @@
           <a:p>
             <a:fld id="{D2790825-B6EE-7947-AFF3-003119ADE192}" type="datetimeFigureOut">
               <a:rPr lang="de-DE" smtClean="0"/>
-              <a:t>11.03.25</a:t>
+              <a:t>17.03.25</a:t>
             </a:fld>
             <a:endParaRPr lang="de-DE"/>
           </a:p>
@@ -1238,7 +1244,7 @@
           <a:p>
             <a:fld id="{D2790825-B6EE-7947-AFF3-003119ADE192}" type="datetimeFigureOut">
               <a:rPr lang="de-DE" smtClean="0"/>
-              <a:t>11.03.25</a:t>
+              <a:t>17.03.25</a:t>
             </a:fld>
             <a:endParaRPr lang="de-DE"/>
           </a:p>
@@ -1605,7 +1611,7 @@
           <a:p>
             <a:fld id="{D2790825-B6EE-7947-AFF3-003119ADE192}" type="datetimeFigureOut">
               <a:rPr lang="de-DE" smtClean="0"/>
-              <a:t>11.03.25</a:t>
+              <a:t>17.03.25</a:t>
             </a:fld>
             <a:endParaRPr lang="de-DE"/>
           </a:p>
@@ -1723,7 +1729,7 @@
           <a:p>
             <a:fld id="{D2790825-B6EE-7947-AFF3-003119ADE192}" type="datetimeFigureOut">
               <a:rPr lang="de-DE" smtClean="0"/>
-              <a:t>11.03.25</a:t>
+              <a:t>17.03.25</a:t>
             </a:fld>
             <a:endParaRPr lang="de-DE"/>
           </a:p>
@@ -1818,7 +1824,7 @@
           <a:p>
             <a:fld id="{D2790825-B6EE-7947-AFF3-003119ADE192}" type="datetimeFigureOut">
               <a:rPr lang="de-DE" smtClean="0"/>
-              <a:t>11.03.25</a:t>
+              <a:t>17.03.25</a:t>
             </a:fld>
             <a:endParaRPr lang="de-DE"/>
           </a:p>
@@ -2095,7 +2101,7 @@
           <a:p>
             <a:fld id="{D2790825-B6EE-7947-AFF3-003119ADE192}" type="datetimeFigureOut">
               <a:rPr lang="de-DE" smtClean="0"/>
-              <a:t>11.03.25</a:t>
+              <a:t>17.03.25</a:t>
             </a:fld>
             <a:endParaRPr lang="de-DE"/>
           </a:p>
@@ -2352,7 +2358,7 @@
           <a:p>
             <a:fld id="{D2790825-B6EE-7947-AFF3-003119ADE192}" type="datetimeFigureOut">
               <a:rPr lang="de-DE" smtClean="0"/>
-              <a:t>11.03.25</a:t>
+              <a:t>17.03.25</a:t>
             </a:fld>
             <a:endParaRPr lang="de-DE"/>
           </a:p>
@@ -2565,7 +2571,7 @@
           <a:p>
             <a:fld id="{D2790825-B6EE-7947-AFF3-003119ADE192}" type="datetimeFigureOut">
               <a:rPr lang="de-DE" smtClean="0"/>
-              <a:t>11.03.25</a:t>
+              <a:t>17.03.25</a:t>
             </a:fld>
             <a:endParaRPr lang="de-DE"/>
           </a:p>
@@ -5449,6 +5455,2657 @@
 </p:sld>
 </file>
 
+<file path=ppt/slides/slide4.xml><?xml version="1.0" encoding="utf-8"?>
+<p:sld xmlns:a="http://schemas.openxmlformats.org/drawingml/2006/main" xmlns:r="http://schemas.openxmlformats.org/officeDocument/2006/relationships" xmlns:p="http://schemas.openxmlformats.org/presentationml/2006/main">
+  <p:cSld>
+    <p:spTree>
+      <p:nvGrpSpPr>
+        <p:cNvPr id="1" name="">
+          <a:extLst>
+            <a:ext uri="{FF2B5EF4-FFF2-40B4-BE49-F238E27FC236}">
+              <a16:creationId xmlns:a16="http://schemas.microsoft.com/office/drawing/2014/main" id="{C0C2DBF8-64A4-C859-3961-2FC34F445034}"/>
+            </a:ext>
+          </a:extLst>
+        </p:cNvPr>
+        <p:cNvGrpSpPr/>
+        <p:nvPr/>
+      </p:nvGrpSpPr>
+      <p:grpSpPr>
+        <a:xfrm>
+          <a:off x="0" y="0"/>
+          <a:ext cx="0" cy="0"/>
+          <a:chOff x="0" y="0"/>
+          <a:chExt cx="0" cy="0"/>
+        </a:xfrm>
+      </p:grpSpPr>
+      <p:sp>
+        <p:nvSpPr>
+          <p:cNvPr id="5" name="Textfeld 4">
+            <a:extLst>
+              <a:ext uri="{FF2B5EF4-FFF2-40B4-BE49-F238E27FC236}">
+                <a16:creationId xmlns:a16="http://schemas.microsoft.com/office/drawing/2014/main" id="{2485B62F-8126-36C0-6A35-7E56618515F9}"/>
+              </a:ext>
+            </a:extLst>
+          </p:cNvPr>
+          <p:cNvSpPr txBox="1"/>
+          <p:nvPr/>
+        </p:nvSpPr>
+        <p:spPr>
+          <a:xfrm>
+            <a:off x="1" y="432262"/>
+            <a:ext cx="6858000" cy="4153930"/>
+          </a:xfrm>
+          <a:prstGeom prst="rect">
+            <a:avLst/>
+          </a:prstGeom>
+          <a:noFill/>
+        </p:spPr>
+        <p:txBody>
+          <a:bodyPr wrap="square" lIns="180000" tIns="108000" rIns="180000" bIns="108000" rtlCol="0">
+            <a:spAutoFit/>
+          </a:bodyPr>
+          <a:lstStyle/>
+          <a:p>
+            <a:pPr>
+              <a:lnSpc>
+                <a:spcPts val="1350"/>
+              </a:lnSpc>
+              <a:buNone/>
+            </a:pPr>
+            <a:r>
+              <a:rPr lang="de-DE" sz="1000" dirty="0" err="1">
+                <a:solidFill>
+                  <a:srgbClr val="A31515"/>
+                </a:solidFill>
+                <a:effectLst/>
+                <a:latin typeface="Menlo" panose="020B0609030804020204" pitchFamily="49" charset="0"/>
+                <a:ea typeface="Times New Roman" panose="02020603050405020304" pitchFamily="18" charset="0"/>
+              </a:rPr>
+              <a:t>You</a:t>
+            </a:r>
+            <a:r>
+              <a:rPr lang="de-DE" sz="1000" dirty="0">
+                <a:solidFill>
+                  <a:srgbClr val="A31515"/>
+                </a:solidFill>
+                <a:effectLst/>
+                <a:latin typeface="Menlo" panose="020B0609030804020204" pitchFamily="49" charset="0"/>
+                <a:ea typeface="Times New Roman" panose="02020603050405020304" pitchFamily="18" charset="0"/>
+              </a:rPr>
+              <a:t> </a:t>
+            </a:r>
+            <a:r>
+              <a:rPr lang="de-DE" sz="1000" dirty="0" err="1">
+                <a:solidFill>
+                  <a:srgbClr val="A31515"/>
+                </a:solidFill>
+                <a:effectLst/>
+                <a:latin typeface="Menlo" panose="020B0609030804020204" pitchFamily="49" charset="0"/>
+                <a:ea typeface="Times New Roman" panose="02020603050405020304" pitchFamily="18" charset="0"/>
+              </a:rPr>
+              <a:t>are</a:t>
+            </a:r>
+            <a:r>
+              <a:rPr lang="de-DE" sz="1000" dirty="0">
+                <a:solidFill>
+                  <a:srgbClr val="A31515"/>
+                </a:solidFill>
+                <a:effectLst/>
+                <a:latin typeface="Menlo" panose="020B0609030804020204" pitchFamily="49" charset="0"/>
+                <a:ea typeface="Times New Roman" panose="02020603050405020304" pitchFamily="18" charset="0"/>
+              </a:rPr>
+              <a:t> an AI </a:t>
+            </a:r>
+            <a:r>
+              <a:rPr lang="de-DE" sz="1000" dirty="0" err="1">
+                <a:solidFill>
+                  <a:srgbClr val="A31515"/>
+                </a:solidFill>
+                <a:effectLst/>
+                <a:latin typeface="Menlo" panose="020B0609030804020204" pitchFamily="49" charset="0"/>
+                <a:ea typeface="Times New Roman" panose="02020603050405020304" pitchFamily="18" charset="0"/>
+              </a:rPr>
+              <a:t>assistant</a:t>
+            </a:r>
+            <a:r>
+              <a:rPr lang="de-DE" sz="1000" dirty="0">
+                <a:solidFill>
+                  <a:srgbClr val="A31515"/>
+                </a:solidFill>
+                <a:effectLst/>
+                <a:latin typeface="Menlo" panose="020B0609030804020204" pitchFamily="49" charset="0"/>
+                <a:ea typeface="Times New Roman" panose="02020603050405020304" pitchFamily="18" charset="0"/>
+              </a:rPr>
+              <a:t> </a:t>
+            </a:r>
+            <a:r>
+              <a:rPr lang="de-DE" sz="1000" dirty="0" err="1">
+                <a:solidFill>
+                  <a:srgbClr val="A31515"/>
+                </a:solidFill>
+                <a:effectLst/>
+                <a:latin typeface="Menlo" panose="020B0609030804020204" pitchFamily="49" charset="0"/>
+                <a:ea typeface="Times New Roman" panose="02020603050405020304" pitchFamily="18" charset="0"/>
+              </a:rPr>
+              <a:t>tasked</a:t>
+            </a:r>
+            <a:r>
+              <a:rPr lang="de-DE" sz="1000" dirty="0">
+                <a:solidFill>
+                  <a:srgbClr val="A31515"/>
+                </a:solidFill>
+                <a:effectLst/>
+                <a:latin typeface="Menlo" panose="020B0609030804020204" pitchFamily="49" charset="0"/>
+                <a:ea typeface="Times New Roman" panose="02020603050405020304" pitchFamily="18" charset="0"/>
+              </a:rPr>
+              <a:t> </a:t>
+            </a:r>
+            <a:r>
+              <a:rPr lang="de-DE" sz="1000" dirty="0" err="1">
+                <a:solidFill>
+                  <a:srgbClr val="A31515"/>
+                </a:solidFill>
+                <a:effectLst/>
+                <a:latin typeface="Menlo" panose="020B0609030804020204" pitchFamily="49" charset="0"/>
+                <a:ea typeface="Times New Roman" panose="02020603050405020304" pitchFamily="18" charset="0"/>
+              </a:rPr>
+              <a:t>with</a:t>
+            </a:r>
+            <a:r>
+              <a:rPr lang="de-DE" sz="1000" dirty="0">
+                <a:solidFill>
+                  <a:srgbClr val="A31515"/>
+                </a:solidFill>
+                <a:effectLst/>
+                <a:latin typeface="Menlo" panose="020B0609030804020204" pitchFamily="49" charset="0"/>
+                <a:ea typeface="Times New Roman" panose="02020603050405020304" pitchFamily="18" charset="0"/>
+              </a:rPr>
+              <a:t> </a:t>
+            </a:r>
+            <a:r>
+              <a:rPr lang="de-DE" sz="1000" dirty="0" err="1">
+                <a:solidFill>
+                  <a:srgbClr val="A31515"/>
+                </a:solidFill>
+                <a:effectLst/>
+                <a:latin typeface="Menlo" panose="020B0609030804020204" pitchFamily="49" charset="0"/>
+                <a:ea typeface="Times New Roman" panose="02020603050405020304" pitchFamily="18" charset="0"/>
+              </a:rPr>
+              <a:t>summarizing</a:t>
+            </a:r>
+            <a:r>
+              <a:rPr lang="de-DE" sz="1000" dirty="0">
+                <a:solidFill>
+                  <a:srgbClr val="A31515"/>
+                </a:solidFill>
+                <a:effectLst/>
+                <a:latin typeface="Menlo" panose="020B0609030804020204" pitchFamily="49" charset="0"/>
+                <a:ea typeface="Times New Roman" panose="02020603050405020304" pitchFamily="18" charset="0"/>
+              </a:rPr>
+              <a:t> </a:t>
+            </a:r>
+            <a:r>
+              <a:rPr lang="de-DE" sz="1000" dirty="0" err="1">
+                <a:solidFill>
+                  <a:srgbClr val="A31515"/>
+                </a:solidFill>
+                <a:effectLst/>
+                <a:latin typeface="Menlo" panose="020B0609030804020204" pitchFamily="49" charset="0"/>
+                <a:ea typeface="Times New Roman" panose="02020603050405020304" pitchFamily="18" charset="0"/>
+              </a:rPr>
+              <a:t>tables</a:t>
+            </a:r>
+            <a:r>
+              <a:rPr lang="de-DE" sz="1000" dirty="0">
+                <a:solidFill>
+                  <a:srgbClr val="A31515"/>
+                </a:solidFill>
+                <a:effectLst/>
+                <a:latin typeface="Menlo" panose="020B0609030804020204" pitchFamily="49" charset="0"/>
+                <a:ea typeface="Times New Roman" panose="02020603050405020304" pitchFamily="18" charset="0"/>
+              </a:rPr>
+              <a:t> in a **</a:t>
+            </a:r>
+            <a:r>
+              <a:rPr lang="de-DE" sz="1000" dirty="0" err="1">
+                <a:solidFill>
+                  <a:srgbClr val="A31515"/>
+                </a:solidFill>
+                <a:effectLst/>
+                <a:latin typeface="Menlo" panose="020B0609030804020204" pitchFamily="49" charset="0"/>
+                <a:ea typeface="Times New Roman" panose="02020603050405020304" pitchFamily="18" charset="0"/>
+              </a:rPr>
+              <a:t>coherent</a:t>
+            </a:r>
+            <a:r>
+              <a:rPr lang="de-DE" sz="1000" dirty="0">
+                <a:solidFill>
+                  <a:srgbClr val="A31515"/>
+                </a:solidFill>
+                <a:effectLst/>
+                <a:latin typeface="Menlo" panose="020B0609030804020204" pitchFamily="49" charset="0"/>
+                <a:ea typeface="Times New Roman" panose="02020603050405020304" pitchFamily="18" charset="0"/>
+              </a:rPr>
+              <a:t>, </a:t>
+            </a:r>
+            <a:r>
+              <a:rPr lang="de-DE" sz="1000" dirty="0" err="1">
+                <a:solidFill>
+                  <a:srgbClr val="A31515"/>
+                </a:solidFill>
+                <a:effectLst/>
+                <a:latin typeface="Menlo" panose="020B0609030804020204" pitchFamily="49" charset="0"/>
+                <a:ea typeface="Times New Roman" panose="02020603050405020304" pitchFamily="18" charset="0"/>
+              </a:rPr>
+              <a:t>structured</a:t>
+            </a:r>
+            <a:r>
+              <a:rPr lang="de-DE" sz="1000" dirty="0">
+                <a:solidFill>
+                  <a:srgbClr val="A31515"/>
+                </a:solidFill>
+                <a:effectLst/>
+                <a:latin typeface="Menlo" panose="020B0609030804020204" pitchFamily="49" charset="0"/>
+                <a:ea typeface="Times New Roman" panose="02020603050405020304" pitchFamily="18" charset="0"/>
+              </a:rPr>
+              <a:t>, and </a:t>
+            </a:r>
+            <a:r>
+              <a:rPr lang="de-DE" sz="1000" dirty="0" err="1">
+                <a:solidFill>
+                  <a:srgbClr val="A31515"/>
+                </a:solidFill>
+                <a:effectLst/>
+                <a:latin typeface="Menlo" panose="020B0609030804020204" pitchFamily="49" charset="0"/>
+                <a:ea typeface="Times New Roman" panose="02020603050405020304" pitchFamily="18" charset="0"/>
+              </a:rPr>
+              <a:t>concise</a:t>
+            </a:r>
+            <a:r>
+              <a:rPr lang="de-DE" sz="1000" dirty="0">
+                <a:solidFill>
+                  <a:srgbClr val="A31515"/>
+                </a:solidFill>
+                <a:effectLst/>
+                <a:latin typeface="Menlo" panose="020B0609030804020204" pitchFamily="49" charset="0"/>
+                <a:ea typeface="Times New Roman" panose="02020603050405020304" pitchFamily="18" charset="0"/>
+              </a:rPr>
+              <a:t> </a:t>
+            </a:r>
+            <a:r>
+              <a:rPr lang="de-DE" sz="1000" dirty="0" err="1">
+                <a:solidFill>
+                  <a:srgbClr val="A31515"/>
+                </a:solidFill>
+                <a:effectLst/>
+                <a:latin typeface="Menlo" panose="020B0609030804020204" pitchFamily="49" charset="0"/>
+                <a:ea typeface="Times New Roman" panose="02020603050405020304" pitchFamily="18" charset="0"/>
+              </a:rPr>
+              <a:t>manner</a:t>
+            </a:r>
+            <a:r>
+              <a:rPr lang="de-DE" sz="1000" dirty="0">
+                <a:solidFill>
+                  <a:srgbClr val="A31515"/>
+                </a:solidFill>
+                <a:effectLst/>
+                <a:latin typeface="Menlo" panose="020B0609030804020204" pitchFamily="49" charset="0"/>
+                <a:ea typeface="Times New Roman" panose="02020603050405020304" pitchFamily="18" charset="0"/>
+              </a:rPr>
+              <a:t>** </a:t>
+            </a:r>
+            <a:r>
+              <a:rPr lang="de-DE" sz="1000" dirty="0" err="1">
+                <a:solidFill>
+                  <a:srgbClr val="A31515"/>
+                </a:solidFill>
+                <a:effectLst/>
+                <a:latin typeface="Menlo" panose="020B0609030804020204" pitchFamily="49" charset="0"/>
+                <a:ea typeface="Times New Roman" panose="02020603050405020304" pitchFamily="18" charset="0"/>
+              </a:rPr>
+              <a:t>for</a:t>
+            </a:r>
+            <a:r>
+              <a:rPr lang="de-DE" sz="1000" dirty="0">
+                <a:solidFill>
+                  <a:srgbClr val="A31515"/>
+                </a:solidFill>
+                <a:effectLst/>
+                <a:latin typeface="Menlo" panose="020B0609030804020204" pitchFamily="49" charset="0"/>
+                <a:ea typeface="Times New Roman" panose="02020603050405020304" pitchFamily="18" charset="0"/>
+              </a:rPr>
+              <a:t> </a:t>
+            </a:r>
+            <a:r>
+              <a:rPr lang="de-DE" sz="1000" dirty="0" err="1">
+                <a:solidFill>
+                  <a:srgbClr val="A31515"/>
+                </a:solidFill>
+                <a:effectLst/>
+                <a:latin typeface="Menlo" panose="020B0609030804020204" pitchFamily="49" charset="0"/>
+                <a:ea typeface="Times New Roman" panose="02020603050405020304" pitchFamily="18" charset="0"/>
+              </a:rPr>
+              <a:t>retrieval-based</a:t>
+            </a:r>
+            <a:r>
+              <a:rPr lang="de-DE" sz="1000" dirty="0">
+                <a:solidFill>
+                  <a:srgbClr val="A31515"/>
+                </a:solidFill>
+                <a:effectLst/>
+                <a:latin typeface="Menlo" panose="020B0609030804020204" pitchFamily="49" charset="0"/>
+                <a:ea typeface="Times New Roman" panose="02020603050405020304" pitchFamily="18" charset="0"/>
+              </a:rPr>
+              <a:t> </a:t>
+            </a:r>
+            <a:r>
+              <a:rPr lang="de-DE" sz="1000" dirty="0" err="1">
+                <a:solidFill>
+                  <a:srgbClr val="A31515"/>
+                </a:solidFill>
+                <a:effectLst/>
+                <a:latin typeface="Menlo" panose="020B0609030804020204" pitchFamily="49" charset="0"/>
+                <a:ea typeface="Times New Roman" panose="02020603050405020304" pitchFamily="18" charset="0"/>
+              </a:rPr>
+              <a:t>applications</a:t>
+            </a:r>
+            <a:r>
+              <a:rPr lang="de-DE" sz="1000" dirty="0">
+                <a:solidFill>
+                  <a:srgbClr val="A31515"/>
+                </a:solidFill>
+                <a:effectLst/>
+                <a:latin typeface="Menlo" panose="020B0609030804020204" pitchFamily="49" charset="0"/>
+                <a:ea typeface="Times New Roman" panose="02020603050405020304" pitchFamily="18" charset="0"/>
+              </a:rPr>
+              <a:t>. </a:t>
+            </a:r>
+            <a:r>
+              <a:rPr lang="de-DE" sz="1000" dirty="0" err="1">
+                <a:solidFill>
+                  <a:srgbClr val="A31515"/>
+                </a:solidFill>
+                <a:effectLst/>
+                <a:latin typeface="Menlo" panose="020B0609030804020204" pitchFamily="49" charset="0"/>
+                <a:ea typeface="Times New Roman" panose="02020603050405020304" pitchFamily="18" charset="0"/>
+              </a:rPr>
+              <a:t>Your</a:t>
+            </a:r>
+            <a:r>
+              <a:rPr lang="de-DE" sz="1000" dirty="0">
+                <a:solidFill>
+                  <a:srgbClr val="A31515"/>
+                </a:solidFill>
+                <a:effectLst/>
+                <a:latin typeface="Menlo" panose="020B0609030804020204" pitchFamily="49" charset="0"/>
+                <a:ea typeface="Times New Roman" panose="02020603050405020304" pitchFamily="18" charset="0"/>
+              </a:rPr>
+              <a:t> </a:t>
+            </a:r>
+            <a:r>
+              <a:rPr lang="de-DE" sz="1000" dirty="0" err="1">
+                <a:solidFill>
+                  <a:srgbClr val="A31515"/>
+                </a:solidFill>
+                <a:effectLst/>
+                <a:latin typeface="Menlo" panose="020B0609030804020204" pitchFamily="49" charset="0"/>
+                <a:ea typeface="Times New Roman" panose="02020603050405020304" pitchFamily="18" charset="0"/>
+              </a:rPr>
+              <a:t>goal</a:t>
+            </a:r>
+            <a:r>
+              <a:rPr lang="de-DE" sz="1000" dirty="0">
+                <a:solidFill>
+                  <a:srgbClr val="A31515"/>
+                </a:solidFill>
+                <a:effectLst/>
+                <a:latin typeface="Menlo" panose="020B0609030804020204" pitchFamily="49" charset="0"/>
+                <a:ea typeface="Times New Roman" panose="02020603050405020304" pitchFamily="18" charset="0"/>
+              </a:rPr>
+              <a:t> </a:t>
+            </a:r>
+            <a:r>
+              <a:rPr lang="de-DE" sz="1000" dirty="0" err="1">
+                <a:solidFill>
+                  <a:srgbClr val="A31515"/>
+                </a:solidFill>
+                <a:effectLst/>
+                <a:latin typeface="Menlo" panose="020B0609030804020204" pitchFamily="49" charset="0"/>
+                <a:ea typeface="Times New Roman" panose="02020603050405020304" pitchFamily="18" charset="0"/>
+              </a:rPr>
+              <a:t>is</a:t>
+            </a:r>
+            <a:r>
+              <a:rPr lang="de-DE" sz="1000" dirty="0">
+                <a:solidFill>
+                  <a:srgbClr val="A31515"/>
+                </a:solidFill>
+                <a:effectLst/>
+                <a:latin typeface="Menlo" panose="020B0609030804020204" pitchFamily="49" charset="0"/>
+                <a:ea typeface="Times New Roman" panose="02020603050405020304" pitchFamily="18" charset="0"/>
+              </a:rPr>
+              <a:t> </a:t>
+            </a:r>
+            <a:r>
+              <a:rPr lang="de-DE" sz="1000" dirty="0" err="1">
+                <a:solidFill>
+                  <a:srgbClr val="A31515"/>
+                </a:solidFill>
+                <a:effectLst/>
+                <a:latin typeface="Menlo" panose="020B0609030804020204" pitchFamily="49" charset="0"/>
+                <a:ea typeface="Times New Roman" panose="02020603050405020304" pitchFamily="18" charset="0"/>
+              </a:rPr>
+              <a:t>to</a:t>
+            </a:r>
+            <a:r>
+              <a:rPr lang="de-DE" sz="1000" dirty="0">
+                <a:solidFill>
+                  <a:srgbClr val="A31515"/>
+                </a:solidFill>
+                <a:effectLst/>
+                <a:latin typeface="Menlo" panose="020B0609030804020204" pitchFamily="49" charset="0"/>
+                <a:ea typeface="Times New Roman" panose="02020603050405020304" pitchFamily="18" charset="0"/>
+              </a:rPr>
+              <a:t> </a:t>
+            </a:r>
+            <a:r>
+              <a:rPr lang="de-DE" sz="1000" dirty="0" err="1">
+                <a:solidFill>
+                  <a:srgbClr val="A31515"/>
+                </a:solidFill>
+                <a:effectLst/>
+                <a:latin typeface="Menlo" panose="020B0609030804020204" pitchFamily="49" charset="0"/>
+                <a:ea typeface="Times New Roman" panose="02020603050405020304" pitchFamily="18" charset="0"/>
+              </a:rPr>
+              <a:t>generate</a:t>
+            </a:r>
+            <a:r>
+              <a:rPr lang="de-DE" sz="1000" dirty="0">
+                <a:solidFill>
+                  <a:srgbClr val="A31515"/>
+                </a:solidFill>
+                <a:effectLst/>
+                <a:latin typeface="Menlo" panose="020B0609030804020204" pitchFamily="49" charset="0"/>
+                <a:ea typeface="Times New Roman" panose="02020603050405020304" pitchFamily="18" charset="0"/>
+              </a:rPr>
+              <a:t> a </a:t>
+            </a:r>
+            <a:r>
+              <a:rPr lang="de-DE" sz="1000" dirty="0" err="1">
+                <a:solidFill>
+                  <a:srgbClr val="A31515"/>
+                </a:solidFill>
+                <a:effectLst/>
+                <a:latin typeface="Menlo" panose="020B0609030804020204" pitchFamily="49" charset="0"/>
+                <a:ea typeface="Times New Roman" panose="02020603050405020304" pitchFamily="18" charset="0"/>
+              </a:rPr>
+              <a:t>short</a:t>
+            </a:r>
+            <a:r>
+              <a:rPr lang="de-DE" sz="1000" dirty="0">
+                <a:solidFill>
+                  <a:srgbClr val="A31515"/>
+                </a:solidFill>
+                <a:effectLst/>
+                <a:latin typeface="Menlo" panose="020B0609030804020204" pitchFamily="49" charset="0"/>
+                <a:ea typeface="Times New Roman" panose="02020603050405020304" pitchFamily="18" charset="0"/>
+              </a:rPr>
+              <a:t> but </a:t>
+            </a:r>
+            <a:r>
+              <a:rPr lang="de-DE" sz="1000" dirty="0" err="1">
+                <a:solidFill>
+                  <a:srgbClr val="A31515"/>
+                </a:solidFill>
+                <a:effectLst/>
+                <a:latin typeface="Menlo" panose="020B0609030804020204" pitchFamily="49" charset="0"/>
+                <a:ea typeface="Times New Roman" panose="02020603050405020304" pitchFamily="18" charset="0"/>
+              </a:rPr>
+              <a:t>meaningful</a:t>
+            </a:r>
+            <a:r>
+              <a:rPr lang="de-DE" sz="1000" dirty="0">
+                <a:solidFill>
+                  <a:srgbClr val="A31515"/>
+                </a:solidFill>
+                <a:effectLst/>
+                <a:latin typeface="Menlo" panose="020B0609030804020204" pitchFamily="49" charset="0"/>
+                <a:ea typeface="Times New Roman" panose="02020603050405020304" pitchFamily="18" charset="0"/>
+              </a:rPr>
+              <a:t> </a:t>
+            </a:r>
+            <a:r>
+              <a:rPr lang="de-DE" sz="1000" dirty="0" err="1">
+                <a:solidFill>
+                  <a:srgbClr val="A31515"/>
+                </a:solidFill>
+                <a:effectLst/>
+                <a:latin typeface="Menlo" panose="020B0609030804020204" pitchFamily="49" charset="0"/>
+                <a:ea typeface="Times New Roman" panose="02020603050405020304" pitchFamily="18" charset="0"/>
+              </a:rPr>
+              <a:t>summary</a:t>
+            </a:r>
+            <a:r>
+              <a:rPr lang="de-DE" sz="1000" dirty="0">
+                <a:solidFill>
+                  <a:srgbClr val="A31515"/>
+                </a:solidFill>
+                <a:effectLst/>
+                <a:latin typeface="Menlo" panose="020B0609030804020204" pitchFamily="49" charset="0"/>
+                <a:ea typeface="Times New Roman" panose="02020603050405020304" pitchFamily="18" charset="0"/>
+              </a:rPr>
+              <a:t> </a:t>
+            </a:r>
+            <a:r>
+              <a:rPr lang="de-DE" sz="1000" dirty="0" err="1">
+                <a:solidFill>
+                  <a:srgbClr val="A31515"/>
+                </a:solidFill>
+                <a:effectLst/>
+                <a:latin typeface="Menlo" panose="020B0609030804020204" pitchFamily="49" charset="0"/>
+                <a:ea typeface="Times New Roman" panose="02020603050405020304" pitchFamily="18" charset="0"/>
+              </a:rPr>
+              <a:t>that</a:t>
+            </a:r>
+            <a:r>
+              <a:rPr lang="de-DE" sz="1000" dirty="0">
+                <a:solidFill>
+                  <a:srgbClr val="A31515"/>
+                </a:solidFill>
+                <a:effectLst/>
+                <a:latin typeface="Menlo" panose="020B0609030804020204" pitchFamily="49" charset="0"/>
+                <a:ea typeface="Times New Roman" panose="02020603050405020304" pitchFamily="18" charset="0"/>
+              </a:rPr>
+              <a:t> </a:t>
+            </a:r>
+            <a:r>
+              <a:rPr lang="de-DE" sz="1000" dirty="0" err="1">
+                <a:solidFill>
+                  <a:srgbClr val="A31515"/>
+                </a:solidFill>
+                <a:effectLst/>
+                <a:latin typeface="Menlo" panose="020B0609030804020204" pitchFamily="49" charset="0"/>
+                <a:ea typeface="Times New Roman" panose="02020603050405020304" pitchFamily="18" charset="0"/>
+              </a:rPr>
+              <a:t>retains</a:t>
+            </a:r>
+            <a:r>
+              <a:rPr lang="de-DE" sz="1000" dirty="0">
+                <a:solidFill>
+                  <a:srgbClr val="A31515"/>
+                </a:solidFill>
+                <a:effectLst/>
+                <a:latin typeface="Menlo" panose="020B0609030804020204" pitchFamily="49" charset="0"/>
+                <a:ea typeface="Times New Roman" panose="02020603050405020304" pitchFamily="18" charset="0"/>
+              </a:rPr>
+              <a:t> </a:t>
+            </a:r>
+            <a:r>
+              <a:rPr lang="de-DE" sz="1000" dirty="0" err="1">
+                <a:solidFill>
+                  <a:srgbClr val="A31515"/>
+                </a:solidFill>
+                <a:effectLst/>
+                <a:latin typeface="Menlo" panose="020B0609030804020204" pitchFamily="49" charset="0"/>
+                <a:ea typeface="Times New Roman" panose="02020603050405020304" pitchFamily="18" charset="0"/>
+              </a:rPr>
+              <a:t>the</a:t>
+            </a:r>
+            <a:r>
+              <a:rPr lang="de-DE" sz="1000" dirty="0">
+                <a:solidFill>
+                  <a:srgbClr val="A31515"/>
+                </a:solidFill>
+                <a:effectLst/>
+                <a:latin typeface="Menlo" panose="020B0609030804020204" pitchFamily="49" charset="0"/>
+                <a:ea typeface="Times New Roman" panose="02020603050405020304" pitchFamily="18" charset="0"/>
+              </a:rPr>
+              <a:t> </a:t>
+            </a:r>
+            <a:r>
+              <a:rPr lang="de-DE" sz="1000" dirty="0" err="1">
+                <a:solidFill>
+                  <a:srgbClr val="A31515"/>
+                </a:solidFill>
+                <a:effectLst/>
+                <a:latin typeface="Menlo" panose="020B0609030804020204" pitchFamily="49" charset="0"/>
+                <a:ea typeface="Times New Roman" panose="02020603050405020304" pitchFamily="18" charset="0"/>
+              </a:rPr>
+              <a:t>most</a:t>
+            </a:r>
+            <a:r>
+              <a:rPr lang="de-DE" sz="1000" dirty="0">
+                <a:solidFill>
+                  <a:srgbClr val="A31515"/>
+                </a:solidFill>
+                <a:effectLst/>
+                <a:latin typeface="Menlo" panose="020B0609030804020204" pitchFamily="49" charset="0"/>
+                <a:ea typeface="Times New Roman" panose="02020603050405020304" pitchFamily="18" charset="0"/>
+              </a:rPr>
+              <a:t> relevant </a:t>
+            </a:r>
+            <a:r>
+              <a:rPr lang="de-DE" sz="1000" dirty="0" err="1">
+                <a:solidFill>
+                  <a:srgbClr val="A31515"/>
+                </a:solidFill>
+                <a:effectLst/>
+                <a:latin typeface="Menlo" panose="020B0609030804020204" pitchFamily="49" charset="0"/>
+                <a:ea typeface="Times New Roman" panose="02020603050405020304" pitchFamily="18" charset="0"/>
+              </a:rPr>
+              <a:t>details</a:t>
+            </a:r>
+            <a:r>
+              <a:rPr lang="de-DE" sz="1000" dirty="0">
+                <a:solidFill>
+                  <a:srgbClr val="A31515"/>
+                </a:solidFill>
+                <a:effectLst/>
+                <a:latin typeface="Menlo" panose="020B0609030804020204" pitchFamily="49" charset="0"/>
+                <a:ea typeface="Times New Roman" panose="02020603050405020304" pitchFamily="18" charset="0"/>
+              </a:rPr>
+              <a:t> </a:t>
+            </a:r>
+            <a:r>
+              <a:rPr lang="de-DE" sz="1000" dirty="0" err="1">
+                <a:solidFill>
+                  <a:srgbClr val="A31515"/>
+                </a:solidFill>
+                <a:effectLst/>
+                <a:latin typeface="Menlo" panose="020B0609030804020204" pitchFamily="49" charset="0"/>
+                <a:ea typeface="Times New Roman" panose="02020603050405020304" pitchFamily="18" charset="0"/>
+              </a:rPr>
+              <a:t>while</a:t>
+            </a:r>
+            <a:r>
+              <a:rPr lang="de-DE" sz="1000" dirty="0">
+                <a:solidFill>
+                  <a:srgbClr val="A31515"/>
+                </a:solidFill>
+                <a:effectLst/>
+                <a:latin typeface="Menlo" panose="020B0609030804020204" pitchFamily="49" charset="0"/>
+                <a:ea typeface="Times New Roman" panose="02020603050405020304" pitchFamily="18" charset="0"/>
+              </a:rPr>
+              <a:t> </a:t>
+            </a:r>
+            <a:r>
+              <a:rPr lang="de-DE" sz="1000" dirty="0" err="1">
+                <a:solidFill>
+                  <a:srgbClr val="A31515"/>
+                </a:solidFill>
+                <a:effectLst/>
+                <a:latin typeface="Menlo" panose="020B0609030804020204" pitchFamily="49" charset="0"/>
+                <a:ea typeface="Times New Roman" panose="02020603050405020304" pitchFamily="18" charset="0"/>
+              </a:rPr>
+              <a:t>being</a:t>
+            </a:r>
+            <a:r>
+              <a:rPr lang="de-DE" sz="1000" dirty="0">
+                <a:solidFill>
+                  <a:srgbClr val="A31515"/>
+                </a:solidFill>
+                <a:effectLst/>
+                <a:latin typeface="Menlo" panose="020B0609030804020204" pitchFamily="49" charset="0"/>
+                <a:ea typeface="Times New Roman" panose="02020603050405020304" pitchFamily="18" charset="0"/>
+              </a:rPr>
+              <a:t> easy </a:t>
+            </a:r>
+            <a:r>
+              <a:rPr lang="de-DE" sz="1000" dirty="0" err="1">
+                <a:solidFill>
+                  <a:srgbClr val="A31515"/>
+                </a:solidFill>
+                <a:effectLst/>
+                <a:latin typeface="Menlo" panose="020B0609030804020204" pitchFamily="49" charset="0"/>
+                <a:ea typeface="Times New Roman" panose="02020603050405020304" pitchFamily="18" charset="0"/>
+              </a:rPr>
+              <a:t>to</a:t>
+            </a:r>
+            <a:r>
+              <a:rPr lang="de-DE" sz="1000" dirty="0">
+                <a:solidFill>
+                  <a:srgbClr val="A31515"/>
+                </a:solidFill>
+                <a:effectLst/>
+                <a:latin typeface="Menlo" panose="020B0609030804020204" pitchFamily="49" charset="0"/>
+                <a:ea typeface="Times New Roman" panose="02020603050405020304" pitchFamily="18" charset="0"/>
+              </a:rPr>
+              <a:t> </a:t>
+            </a:r>
+            <a:r>
+              <a:rPr lang="de-DE" sz="1000" dirty="0" err="1">
+                <a:solidFill>
+                  <a:srgbClr val="A31515"/>
+                </a:solidFill>
+                <a:effectLst/>
+                <a:latin typeface="Menlo" panose="020B0609030804020204" pitchFamily="49" charset="0"/>
+                <a:ea typeface="Times New Roman" panose="02020603050405020304" pitchFamily="18" charset="0"/>
+              </a:rPr>
+              <a:t>understand</a:t>
+            </a:r>
+            <a:r>
+              <a:rPr lang="de-DE" sz="1000" dirty="0">
+                <a:solidFill>
+                  <a:srgbClr val="A31515"/>
+                </a:solidFill>
+                <a:effectLst/>
+                <a:latin typeface="Menlo" panose="020B0609030804020204" pitchFamily="49" charset="0"/>
+                <a:ea typeface="Times New Roman" panose="02020603050405020304" pitchFamily="18" charset="0"/>
+              </a:rPr>
+              <a:t>.</a:t>
+            </a:r>
+            <a:endParaRPr lang="de-DE" sz="1000" dirty="0">
+              <a:effectLst/>
+              <a:latin typeface="Times New Roman" panose="02020603050405020304" pitchFamily="18" charset="0"/>
+              <a:ea typeface="Times New Roman" panose="02020603050405020304" pitchFamily="18" charset="0"/>
+            </a:endParaRPr>
+          </a:p>
+          <a:p>
+            <a:pPr>
+              <a:lnSpc>
+                <a:spcPts val="1350"/>
+              </a:lnSpc>
+              <a:buNone/>
+            </a:pPr>
+            <a:r>
+              <a:rPr lang="de-DE" sz="1000" dirty="0">
+                <a:solidFill>
+                  <a:srgbClr val="000000"/>
+                </a:solidFill>
+                <a:effectLst/>
+                <a:latin typeface="Menlo" panose="020B0609030804020204" pitchFamily="49" charset="0"/>
+                <a:ea typeface="Times New Roman" panose="02020603050405020304" pitchFamily="18" charset="0"/>
+              </a:rPr>
+              <a:t> </a:t>
+            </a:r>
+            <a:endParaRPr lang="de-DE" sz="1000" dirty="0">
+              <a:effectLst/>
+              <a:latin typeface="Times New Roman" panose="02020603050405020304" pitchFamily="18" charset="0"/>
+              <a:ea typeface="Times New Roman" panose="02020603050405020304" pitchFamily="18" charset="0"/>
+            </a:endParaRPr>
+          </a:p>
+          <a:p>
+            <a:pPr>
+              <a:lnSpc>
+                <a:spcPts val="1350"/>
+              </a:lnSpc>
+              <a:buNone/>
+            </a:pPr>
+            <a:r>
+              <a:rPr lang="de-DE" sz="1000" dirty="0">
+                <a:solidFill>
+                  <a:srgbClr val="A31515"/>
+                </a:solidFill>
+                <a:effectLst/>
+                <a:latin typeface="Menlo" panose="020B0609030804020204" pitchFamily="49" charset="0"/>
+                <a:ea typeface="Times New Roman" panose="02020603050405020304" pitchFamily="18" charset="0"/>
+              </a:rPr>
+              <a:t>### **</a:t>
+            </a:r>
+            <a:r>
+              <a:rPr lang="de-DE" sz="1000" dirty="0" err="1">
+                <a:solidFill>
+                  <a:srgbClr val="A31515"/>
+                </a:solidFill>
+                <a:effectLst/>
+                <a:latin typeface="Menlo" panose="020B0609030804020204" pitchFamily="49" charset="0"/>
+                <a:ea typeface="Times New Roman" panose="02020603050405020304" pitchFamily="18" charset="0"/>
+              </a:rPr>
+              <a:t>Instructions</a:t>
+            </a:r>
+            <a:r>
+              <a:rPr lang="de-DE" sz="1000" dirty="0">
+                <a:solidFill>
+                  <a:srgbClr val="A31515"/>
+                </a:solidFill>
+                <a:effectLst/>
+                <a:latin typeface="Menlo" panose="020B0609030804020204" pitchFamily="49" charset="0"/>
+                <a:ea typeface="Times New Roman" panose="02020603050405020304" pitchFamily="18" charset="0"/>
+              </a:rPr>
+              <a:t>:**</a:t>
+            </a:r>
+            <a:endParaRPr lang="de-DE" sz="1000" dirty="0">
+              <a:effectLst/>
+              <a:latin typeface="Times New Roman" panose="02020603050405020304" pitchFamily="18" charset="0"/>
+              <a:ea typeface="Times New Roman" panose="02020603050405020304" pitchFamily="18" charset="0"/>
+            </a:endParaRPr>
+          </a:p>
+          <a:p>
+            <a:pPr>
+              <a:lnSpc>
+                <a:spcPts val="1350"/>
+              </a:lnSpc>
+              <a:buNone/>
+            </a:pPr>
+            <a:r>
+              <a:rPr lang="de-DE" sz="1000" dirty="0">
+                <a:solidFill>
+                  <a:srgbClr val="A31515"/>
+                </a:solidFill>
+                <a:effectLst/>
+                <a:latin typeface="Menlo" panose="020B0609030804020204" pitchFamily="49" charset="0"/>
+                <a:ea typeface="Times New Roman" panose="02020603050405020304" pitchFamily="18" charset="0"/>
+              </a:rPr>
+              <a:t>- **</a:t>
+            </a:r>
+            <a:r>
+              <a:rPr lang="de-DE" sz="1000" dirty="0" err="1">
+                <a:solidFill>
+                  <a:srgbClr val="A31515"/>
+                </a:solidFill>
+                <a:effectLst/>
+                <a:latin typeface="Menlo" panose="020B0609030804020204" pitchFamily="49" charset="0"/>
+                <a:ea typeface="Times New Roman" panose="02020603050405020304" pitchFamily="18" charset="0"/>
+              </a:rPr>
+              <a:t>Preceding</a:t>
+            </a:r>
+            <a:r>
+              <a:rPr lang="de-DE" sz="1000" dirty="0">
+                <a:solidFill>
+                  <a:srgbClr val="A31515"/>
+                </a:solidFill>
+                <a:effectLst/>
+                <a:latin typeface="Menlo" panose="020B0609030804020204" pitchFamily="49" charset="0"/>
+                <a:ea typeface="Times New Roman" panose="02020603050405020304" pitchFamily="18" charset="0"/>
+              </a:rPr>
+              <a:t> </a:t>
+            </a:r>
+            <a:r>
+              <a:rPr lang="de-DE" sz="1000" dirty="0" err="1">
+                <a:solidFill>
+                  <a:srgbClr val="A31515"/>
+                </a:solidFill>
+                <a:effectLst/>
+                <a:latin typeface="Menlo" panose="020B0609030804020204" pitchFamily="49" charset="0"/>
+                <a:ea typeface="Times New Roman" panose="02020603050405020304" pitchFamily="18" charset="0"/>
+              </a:rPr>
+              <a:t>Sentence</a:t>
+            </a:r>
+            <a:r>
+              <a:rPr lang="de-DE" sz="1000" dirty="0">
+                <a:solidFill>
+                  <a:srgbClr val="A31515"/>
+                </a:solidFill>
+                <a:effectLst/>
+                <a:latin typeface="Menlo" panose="020B0609030804020204" pitchFamily="49" charset="0"/>
+                <a:ea typeface="Times New Roman" panose="02020603050405020304" pitchFamily="18" charset="0"/>
+              </a:rPr>
+              <a:t>:** </a:t>
+            </a:r>
+            <a:r>
+              <a:rPr lang="de-DE" sz="1000" dirty="0">
+                <a:solidFill>
+                  <a:srgbClr val="156082"/>
+                </a:solidFill>
+                <a:effectLst/>
+                <a:latin typeface="Menlo" panose="020B0609030804020204" pitchFamily="49" charset="0"/>
+                <a:ea typeface="Times New Roman" panose="02020603050405020304" pitchFamily="18" charset="0"/>
+              </a:rPr>
+              <a:t>{</a:t>
+            </a:r>
+            <a:r>
+              <a:rPr lang="de-DE" sz="1000" dirty="0" err="1">
+                <a:solidFill>
+                  <a:srgbClr val="156082"/>
+                </a:solidFill>
+                <a:effectLst/>
+                <a:latin typeface="Menlo" panose="020B0609030804020204" pitchFamily="49" charset="0"/>
+                <a:ea typeface="Times New Roman" panose="02020603050405020304" pitchFamily="18" charset="0"/>
+              </a:rPr>
+              <a:t>preceding_sentence</a:t>
+            </a:r>
+            <a:r>
+              <a:rPr lang="de-DE" sz="1000" dirty="0">
+                <a:solidFill>
+                  <a:srgbClr val="156082"/>
+                </a:solidFill>
+                <a:effectLst/>
+                <a:latin typeface="Menlo" panose="020B0609030804020204" pitchFamily="49" charset="0"/>
+                <a:ea typeface="Times New Roman" panose="02020603050405020304" pitchFamily="18" charset="0"/>
+              </a:rPr>
+              <a:t>}  </a:t>
+            </a:r>
+            <a:endParaRPr lang="de-DE" sz="1000" dirty="0">
+              <a:effectLst/>
+              <a:latin typeface="Times New Roman" panose="02020603050405020304" pitchFamily="18" charset="0"/>
+              <a:ea typeface="Times New Roman" panose="02020603050405020304" pitchFamily="18" charset="0"/>
+            </a:endParaRPr>
+          </a:p>
+          <a:p>
+            <a:pPr>
+              <a:lnSpc>
+                <a:spcPts val="1350"/>
+              </a:lnSpc>
+              <a:buNone/>
+            </a:pPr>
+            <a:r>
+              <a:rPr lang="de-DE" sz="1000" dirty="0">
+                <a:solidFill>
+                  <a:srgbClr val="A31515"/>
+                </a:solidFill>
+                <a:effectLst/>
+                <a:latin typeface="Menlo" panose="020B0609030804020204" pitchFamily="49" charset="0"/>
+                <a:ea typeface="Times New Roman" panose="02020603050405020304" pitchFamily="18" charset="0"/>
+              </a:rPr>
+              <a:t>  *(This </a:t>
+            </a:r>
+            <a:r>
+              <a:rPr lang="de-DE" sz="1000" dirty="0" err="1">
+                <a:solidFill>
+                  <a:srgbClr val="A31515"/>
+                </a:solidFill>
+                <a:effectLst/>
+                <a:latin typeface="Menlo" panose="020B0609030804020204" pitchFamily="49" charset="0"/>
+                <a:ea typeface="Times New Roman" panose="02020603050405020304" pitchFamily="18" charset="0"/>
+              </a:rPr>
+              <a:t>is</a:t>
+            </a:r>
+            <a:r>
+              <a:rPr lang="de-DE" sz="1000" dirty="0">
+                <a:solidFill>
+                  <a:srgbClr val="A31515"/>
+                </a:solidFill>
+                <a:effectLst/>
+                <a:latin typeface="Menlo" panose="020B0609030804020204" pitchFamily="49" charset="0"/>
+                <a:ea typeface="Times New Roman" panose="02020603050405020304" pitchFamily="18" charset="0"/>
+              </a:rPr>
+              <a:t> </a:t>
+            </a:r>
+            <a:r>
+              <a:rPr lang="de-DE" sz="1000" dirty="0" err="1">
+                <a:solidFill>
+                  <a:srgbClr val="A31515"/>
+                </a:solidFill>
+                <a:effectLst/>
+                <a:latin typeface="Menlo" panose="020B0609030804020204" pitchFamily="49" charset="0"/>
+                <a:ea typeface="Times New Roman" panose="02020603050405020304" pitchFamily="18" charset="0"/>
+              </a:rPr>
+              <a:t>the</a:t>
+            </a:r>
+            <a:r>
+              <a:rPr lang="de-DE" sz="1000" dirty="0">
+                <a:solidFill>
+                  <a:srgbClr val="A31515"/>
+                </a:solidFill>
+                <a:effectLst/>
+                <a:latin typeface="Menlo" panose="020B0609030804020204" pitchFamily="49" charset="0"/>
+                <a:ea typeface="Times New Roman" panose="02020603050405020304" pitchFamily="18" charset="0"/>
+              </a:rPr>
+              <a:t> </a:t>
+            </a:r>
+            <a:r>
+              <a:rPr lang="de-DE" sz="1000" dirty="0" err="1">
+                <a:solidFill>
+                  <a:srgbClr val="A31515"/>
+                </a:solidFill>
+                <a:effectLst/>
+                <a:latin typeface="Menlo" panose="020B0609030804020204" pitchFamily="49" charset="0"/>
+                <a:ea typeface="Times New Roman" panose="02020603050405020304" pitchFamily="18" charset="0"/>
+              </a:rPr>
+              <a:t>sentence</a:t>
+            </a:r>
+            <a:r>
+              <a:rPr lang="de-DE" sz="1000" dirty="0">
+                <a:solidFill>
+                  <a:srgbClr val="A31515"/>
+                </a:solidFill>
+                <a:effectLst/>
+                <a:latin typeface="Menlo" panose="020B0609030804020204" pitchFamily="49" charset="0"/>
+                <a:ea typeface="Times New Roman" panose="02020603050405020304" pitchFamily="18" charset="0"/>
+              </a:rPr>
+              <a:t> </a:t>
+            </a:r>
+            <a:r>
+              <a:rPr lang="de-DE" sz="1000" dirty="0" err="1">
+                <a:solidFill>
+                  <a:srgbClr val="A31515"/>
+                </a:solidFill>
+                <a:effectLst/>
+                <a:latin typeface="Menlo" panose="020B0609030804020204" pitchFamily="49" charset="0"/>
+                <a:ea typeface="Times New Roman" panose="02020603050405020304" pitchFamily="18" charset="0"/>
+              </a:rPr>
+              <a:t>that</a:t>
+            </a:r>
+            <a:r>
+              <a:rPr lang="de-DE" sz="1000" dirty="0">
+                <a:solidFill>
+                  <a:srgbClr val="A31515"/>
+                </a:solidFill>
+                <a:effectLst/>
+                <a:latin typeface="Menlo" panose="020B0609030804020204" pitchFamily="49" charset="0"/>
+                <a:ea typeface="Times New Roman" panose="02020603050405020304" pitchFamily="18" charset="0"/>
+              </a:rPr>
+              <a:t> </a:t>
+            </a:r>
+            <a:r>
+              <a:rPr lang="de-DE" sz="1000" dirty="0" err="1">
+                <a:solidFill>
+                  <a:srgbClr val="A31515"/>
+                </a:solidFill>
+                <a:effectLst/>
+                <a:latin typeface="Menlo" panose="020B0609030804020204" pitchFamily="49" charset="0"/>
+                <a:ea typeface="Times New Roman" panose="02020603050405020304" pitchFamily="18" charset="0"/>
+              </a:rPr>
+              <a:t>directly</a:t>
+            </a:r>
+            <a:r>
+              <a:rPr lang="de-DE" sz="1000" dirty="0">
+                <a:solidFill>
+                  <a:srgbClr val="A31515"/>
+                </a:solidFill>
+                <a:effectLst/>
+                <a:latin typeface="Menlo" panose="020B0609030804020204" pitchFamily="49" charset="0"/>
+                <a:ea typeface="Times New Roman" panose="02020603050405020304" pitchFamily="18" charset="0"/>
+              </a:rPr>
+              <a:t> </a:t>
+            </a:r>
+            <a:r>
+              <a:rPr lang="de-DE" sz="1000" dirty="0" err="1">
+                <a:solidFill>
+                  <a:srgbClr val="A31515"/>
+                </a:solidFill>
+                <a:effectLst/>
+                <a:latin typeface="Menlo" panose="020B0609030804020204" pitchFamily="49" charset="0"/>
+                <a:ea typeface="Times New Roman" panose="02020603050405020304" pitchFamily="18" charset="0"/>
+              </a:rPr>
+              <a:t>precedes</a:t>
+            </a:r>
+            <a:r>
+              <a:rPr lang="de-DE" sz="1000" dirty="0">
+                <a:solidFill>
+                  <a:srgbClr val="A31515"/>
+                </a:solidFill>
+                <a:effectLst/>
+                <a:latin typeface="Menlo" panose="020B0609030804020204" pitchFamily="49" charset="0"/>
+                <a:ea typeface="Times New Roman" panose="02020603050405020304" pitchFamily="18" charset="0"/>
+              </a:rPr>
+              <a:t> </a:t>
+            </a:r>
+            <a:r>
+              <a:rPr lang="de-DE" sz="1000" dirty="0" err="1">
+                <a:solidFill>
+                  <a:srgbClr val="A31515"/>
+                </a:solidFill>
+                <a:effectLst/>
+                <a:latin typeface="Menlo" panose="020B0609030804020204" pitchFamily="49" charset="0"/>
+                <a:ea typeface="Times New Roman" panose="02020603050405020304" pitchFamily="18" charset="0"/>
+              </a:rPr>
+              <a:t>the</a:t>
+            </a:r>
+            <a:r>
+              <a:rPr lang="de-DE" sz="1000" dirty="0">
+                <a:solidFill>
+                  <a:srgbClr val="A31515"/>
+                </a:solidFill>
+                <a:effectLst/>
+                <a:latin typeface="Menlo" panose="020B0609030804020204" pitchFamily="49" charset="0"/>
+                <a:ea typeface="Times New Roman" panose="02020603050405020304" pitchFamily="18" charset="0"/>
+              </a:rPr>
+              <a:t> </a:t>
+            </a:r>
+            <a:r>
+              <a:rPr lang="de-DE" sz="1000" dirty="0" err="1">
+                <a:solidFill>
+                  <a:srgbClr val="A31515"/>
+                </a:solidFill>
+                <a:effectLst/>
+                <a:latin typeface="Menlo" panose="020B0609030804020204" pitchFamily="49" charset="0"/>
+                <a:ea typeface="Times New Roman" panose="02020603050405020304" pitchFamily="18" charset="0"/>
+              </a:rPr>
+              <a:t>table</a:t>
+            </a:r>
+            <a:r>
+              <a:rPr lang="de-DE" sz="1000" dirty="0">
+                <a:solidFill>
+                  <a:srgbClr val="A31515"/>
+                </a:solidFill>
+                <a:effectLst/>
+                <a:latin typeface="Menlo" panose="020B0609030804020204" pitchFamily="49" charset="0"/>
+                <a:ea typeface="Times New Roman" panose="02020603050405020304" pitchFamily="18" charset="0"/>
+              </a:rPr>
+              <a:t>. </a:t>
+            </a:r>
+            <a:r>
+              <a:rPr lang="de-DE" sz="1000" dirty="0" err="1">
+                <a:solidFill>
+                  <a:srgbClr val="A31515"/>
+                </a:solidFill>
+                <a:effectLst/>
+                <a:latin typeface="Menlo" panose="020B0609030804020204" pitchFamily="49" charset="0"/>
+                <a:ea typeface="Times New Roman" panose="02020603050405020304" pitchFamily="18" charset="0"/>
+              </a:rPr>
+              <a:t>It</a:t>
+            </a:r>
+            <a:r>
+              <a:rPr lang="de-DE" sz="1000" dirty="0">
+                <a:solidFill>
+                  <a:srgbClr val="A31515"/>
+                </a:solidFill>
+                <a:effectLst/>
+                <a:latin typeface="Menlo" panose="020B0609030804020204" pitchFamily="49" charset="0"/>
+                <a:ea typeface="Times New Roman" panose="02020603050405020304" pitchFamily="18" charset="0"/>
+              </a:rPr>
+              <a:t> </a:t>
+            </a:r>
+            <a:r>
+              <a:rPr lang="de-DE" sz="1000" dirty="0" err="1">
+                <a:solidFill>
+                  <a:srgbClr val="A31515"/>
+                </a:solidFill>
+                <a:effectLst/>
+                <a:latin typeface="Menlo" panose="020B0609030804020204" pitchFamily="49" charset="0"/>
+                <a:ea typeface="Times New Roman" panose="02020603050405020304" pitchFamily="18" charset="0"/>
+              </a:rPr>
+              <a:t>may</a:t>
+            </a:r>
+            <a:r>
+              <a:rPr lang="de-DE" sz="1000" dirty="0">
+                <a:solidFill>
+                  <a:srgbClr val="A31515"/>
+                </a:solidFill>
+                <a:effectLst/>
+                <a:latin typeface="Menlo" panose="020B0609030804020204" pitchFamily="49" charset="0"/>
+                <a:ea typeface="Times New Roman" panose="02020603050405020304" pitchFamily="18" charset="0"/>
+              </a:rPr>
+              <a:t> </a:t>
+            </a:r>
+            <a:r>
+              <a:rPr lang="de-DE" sz="1000" dirty="0" err="1">
+                <a:solidFill>
+                  <a:srgbClr val="A31515"/>
+                </a:solidFill>
+                <a:effectLst/>
+                <a:latin typeface="Menlo" panose="020B0609030804020204" pitchFamily="49" charset="0"/>
+                <a:ea typeface="Times New Roman" panose="02020603050405020304" pitchFamily="18" charset="0"/>
+              </a:rPr>
+              <a:t>provide</a:t>
+            </a:r>
+            <a:r>
+              <a:rPr lang="de-DE" sz="1000" dirty="0">
+                <a:solidFill>
+                  <a:srgbClr val="A31515"/>
+                </a:solidFill>
+                <a:effectLst/>
+                <a:latin typeface="Menlo" panose="020B0609030804020204" pitchFamily="49" charset="0"/>
+                <a:ea typeface="Times New Roman" panose="02020603050405020304" pitchFamily="18" charset="0"/>
+              </a:rPr>
+              <a:t> </a:t>
+            </a:r>
+            <a:r>
+              <a:rPr lang="de-DE" sz="1000" dirty="0" err="1">
+                <a:solidFill>
+                  <a:srgbClr val="A31515"/>
+                </a:solidFill>
+                <a:effectLst/>
+                <a:latin typeface="Menlo" panose="020B0609030804020204" pitchFamily="49" charset="0"/>
+                <a:ea typeface="Times New Roman" panose="02020603050405020304" pitchFamily="18" charset="0"/>
+              </a:rPr>
+              <a:t>context</a:t>
+            </a:r>
+            <a:r>
+              <a:rPr lang="de-DE" sz="1000" dirty="0">
+                <a:solidFill>
+                  <a:srgbClr val="A31515"/>
+                </a:solidFill>
+                <a:effectLst/>
+                <a:latin typeface="Menlo" panose="020B0609030804020204" pitchFamily="49" charset="0"/>
+                <a:ea typeface="Times New Roman" panose="02020603050405020304" pitchFamily="18" charset="0"/>
+              </a:rPr>
+              <a:t>, but </a:t>
+            </a:r>
+            <a:r>
+              <a:rPr lang="de-DE" sz="1000" dirty="0" err="1">
+                <a:solidFill>
+                  <a:srgbClr val="A31515"/>
+                </a:solidFill>
+                <a:effectLst/>
+                <a:latin typeface="Menlo" panose="020B0609030804020204" pitchFamily="49" charset="0"/>
+                <a:ea typeface="Times New Roman" panose="02020603050405020304" pitchFamily="18" charset="0"/>
+              </a:rPr>
+              <a:t>sometimes</a:t>
+            </a:r>
+            <a:r>
+              <a:rPr lang="de-DE" sz="1000" dirty="0">
+                <a:solidFill>
+                  <a:srgbClr val="A31515"/>
+                </a:solidFill>
+                <a:effectLst/>
+                <a:latin typeface="Menlo" panose="020B0609030804020204" pitchFamily="49" charset="0"/>
+                <a:ea typeface="Times New Roman" panose="02020603050405020304" pitchFamily="18" charset="0"/>
+              </a:rPr>
+              <a:t> </a:t>
+            </a:r>
+            <a:r>
+              <a:rPr lang="de-DE" sz="1000" dirty="0" err="1">
+                <a:solidFill>
+                  <a:srgbClr val="A31515"/>
+                </a:solidFill>
+                <a:effectLst/>
+                <a:latin typeface="Menlo" panose="020B0609030804020204" pitchFamily="49" charset="0"/>
+                <a:ea typeface="Times New Roman" panose="02020603050405020304" pitchFamily="18" charset="0"/>
+              </a:rPr>
+              <a:t>it</a:t>
+            </a:r>
+            <a:r>
+              <a:rPr lang="de-DE" sz="1000" dirty="0">
+                <a:solidFill>
+                  <a:srgbClr val="A31515"/>
+                </a:solidFill>
+                <a:effectLst/>
+                <a:latin typeface="Menlo" panose="020B0609030804020204" pitchFamily="49" charset="0"/>
+                <a:ea typeface="Times New Roman" panose="02020603050405020304" pitchFamily="18" charset="0"/>
+              </a:rPr>
+              <a:t> </a:t>
+            </a:r>
+            <a:r>
+              <a:rPr lang="de-DE" sz="1000" dirty="0" err="1">
+                <a:solidFill>
+                  <a:srgbClr val="A31515"/>
+                </a:solidFill>
+                <a:effectLst/>
+                <a:latin typeface="Menlo" panose="020B0609030804020204" pitchFamily="49" charset="0"/>
+                <a:ea typeface="Times New Roman" panose="02020603050405020304" pitchFamily="18" charset="0"/>
+              </a:rPr>
+              <a:t>may</a:t>
+            </a:r>
+            <a:r>
+              <a:rPr lang="de-DE" sz="1000" dirty="0">
+                <a:solidFill>
+                  <a:srgbClr val="A31515"/>
+                </a:solidFill>
+                <a:effectLst/>
+                <a:latin typeface="Menlo" panose="020B0609030804020204" pitchFamily="49" charset="0"/>
+                <a:ea typeface="Times New Roman" panose="02020603050405020304" pitchFamily="18" charset="0"/>
+              </a:rPr>
+              <a:t> not </a:t>
+            </a:r>
+            <a:r>
+              <a:rPr lang="de-DE" sz="1000" dirty="0" err="1">
+                <a:solidFill>
+                  <a:srgbClr val="A31515"/>
+                </a:solidFill>
+                <a:effectLst/>
+                <a:latin typeface="Menlo" panose="020B0609030804020204" pitchFamily="49" charset="0"/>
+                <a:ea typeface="Times New Roman" panose="02020603050405020304" pitchFamily="18" charset="0"/>
+              </a:rPr>
+              <a:t>be</a:t>
+            </a:r>
+            <a:r>
+              <a:rPr lang="de-DE" sz="1000" dirty="0">
+                <a:solidFill>
+                  <a:srgbClr val="A31515"/>
+                </a:solidFill>
+                <a:effectLst/>
+                <a:latin typeface="Menlo" panose="020B0609030804020204" pitchFamily="49" charset="0"/>
+                <a:ea typeface="Times New Roman" panose="02020603050405020304" pitchFamily="18" charset="0"/>
+              </a:rPr>
+              <a:t> </a:t>
+            </a:r>
+            <a:r>
+              <a:rPr lang="de-DE" sz="1000" dirty="0" err="1">
+                <a:solidFill>
+                  <a:srgbClr val="A31515"/>
+                </a:solidFill>
+                <a:effectLst/>
+                <a:latin typeface="Menlo" panose="020B0609030804020204" pitchFamily="49" charset="0"/>
+                <a:ea typeface="Times New Roman" panose="02020603050405020304" pitchFamily="18" charset="0"/>
+              </a:rPr>
+              <a:t>helpful</a:t>
+            </a:r>
+            <a:r>
+              <a:rPr lang="de-DE" sz="1000" dirty="0">
+                <a:solidFill>
+                  <a:srgbClr val="A31515"/>
+                </a:solidFill>
+                <a:effectLst/>
+                <a:latin typeface="Menlo" panose="020B0609030804020204" pitchFamily="49" charset="0"/>
+                <a:ea typeface="Times New Roman" panose="02020603050405020304" pitchFamily="18" charset="0"/>
+              </a:rPr>
+              <a:t>.)*  </a:t>
+            </a:r>
+            <a:endParaRPr lang="de-DE" sz="1000" dirty="0">
+              <a:effectLst/>
+              <a:latin typeface="Times New Roman" panose="02020603050405020304" pitchFamily="18" charset="0"/>
+              <a:ea typeface="Times New Roman" panose="02020603050405020304" pitchFamily="18" charset="0"/>
+            </a:endParaRPr>
+          </a:p>
+          <a:p>
+            <a:pPr>
+              <a:lnSpc>
+                <a:spcPts val="1350"/>
+              </a:lnSpc>
+              <a:buNone/>
+            </a:pPr>
+            <a:r>
+              <a:rPr lang="de-DE" sz="1000" dirty="0">
+                <a:solidFill>
+                  <a:srgbClr val="A31515"/>
+                </a:solidFill>
+                <a:effectLst/>
+                <a:latin typeface="Menlo" panose="020B0609030804020204" pitchFamily="49" charset="0"/>
+                <a:ea typeface="Times New Roman" panose="02020603050405020304" pitchFamily="18" charset="0"/>
+              </a:rPr>
+              <a:t>- **Table Summary:**  </a:t>
+            </a:r>
+            <a:endParaRPr lang="de-DE" sz="1000" dirty="0">
+              <a:effectLst/>
+              <a:latin typeface="Times New Roman" panose="02020603050405020304" pitchFamily="18" charset="0"/>
+              <a:ea typeface="Times New Roman" panose="02020603050405020304" pitchFamily="18" charset="0"/>
+            </a:endParaRPr>
+          </a:p>
+          <a:p>
+            <a:pPr>
+              <a:lnSpc>
+                <a:spcPts val="1350"/>
+              </a:lnSpc>
+              <a:buNone/>
+            </a:pPr>
+            <a:r>
+              <a:rPr lang="de-DE" sz="1000" dirty="0">
+                <a:solidFill>
+                  <a:srgbClr val="A31515"/>
+                </a:solidFill>
+                <a:effectLst/>
+                <a:latin typeface="Menlo" panose="020B0609030804020204" pitchFamily="49" charset="0"/>
+                <a:ea typeface="Times New Roman" panose="02020603050405020304" pitchFamily="18" charset="0"/>
+              </a:rPr>
+              <a:t>  - The </a:t>
+            </a:r>
+            <a:r>
+              <a:rPr lang="de-DE" sz="1000" dirty="0" err="1">
+                <a:solidFill>
+                  <a:srgbClr val="A31515"/>
+                </a:solidFill>
+                <a:effectLst/>
+                <a:latin typeface="Menlo" panose="020B0609030804020204" pitchFamily="49" charset="0"/>
+                <a:ea typeface="Times New Roman" panose="02020603050405020304" pitchFamily="18" charset="0"/>
+              </a:rPr>
+              <a:t>summary</a:t>
+            </a:r>
+            <a:r>
+              <a:rPr lang="de-DE" sz="1000" dirty="0">
+                <a:solidFill>
+                  <a:srgbClr val="A31515"/>
+                </a:solidFill>
+                <a:effectLst/>
+                <a:latin typeface="Menlo" panose="020B0609030804020204" pitchFamily="49" charset="0"/>
+                <a:ea typeface="Times New Roman" panose="02020603050405020304" pitchFamily="18" charset="0"/>
+              </a:rPr>
+              <a:t> **</a:t>
+            </a:r>
+            <a:r>
+              <a:rPr lang="de-DE" sz="1000" dirty="0" err="1">
+                <a:solidFill>
+                  <a:srgbClr val="A31515"/>
+                </a:solidFill>
+                <a:effectLst/>
+                <a:latin typeface="Menlo" panose="020B0609030804020204" pitchFamily="49" charset="0"/>
+                <a:ea typeface="Times New Roman" panose="02020603050405020304" pitchFamily="18" charset="0"/>
+              </a:rPr>
+              <a:t>must</a:t>
+            </a:r>
+            <a:r>
+              <a:rPr lang="de-DE" sz="1000" dirty="0">
+                <a:solidFill>
+                  <a:srgbClr val="A31515"/>
+                </a:solidFill>
+                <a:effectLst/>
+                <a:latin typeface="Menlo" panose="020B0609030804020204" pitchFamily="49" charset="0"/>
+                <a:ea typeface="Times New Roman" panose="02020603050405020304" pitchFamily="18" charset="0"/>
+              </a:rPr>
+              <a:t> </a:t>
+            </a:r>
+            <a:r>
+              <a:rPr lang="de-DE" sz="1000" dirty="0" err="1">
+                <a:solidFill>
+                  <a:srgbClr val="A31515"/>
+                </a:solidFill>
+                <a:effectLst/>
+                <a:latin typeface="Menlo" panose="020B0609030804020204" pitchFamily="49" charset="0"/>
+                <a:ea typeface="Times New Roman" panose="02020603050405020304" pitchFamily="18" charset="0"/>
+              </a:rPr>
+              <a:t>begin</a:t>
+            </a:r>
+            <a:r>
+              <a:rPr lang="de-DE" sz="1000" dirty="0">
+                <a:solidFill>
+                  <a:srgbClr val="A31515"/>
+                </a:solidFill>
+                <a:effectLst/>
+                <a:latin typeface="Menlo" panose="020B0609030804020204" pitchFamily="49" charset="0"/>
+                <a:ea typeface="Times New Roman" panose="02020603050405020304" pitchFamily="18" charset="0"/>
+              </a:rPr>
+              <a:t> </a:t>
+            </a:r>
+            <a:r>
+              <a:rPr lang="de-DE" sz="1000" dirty="0" err="1">
+                <a:solidFill>
+                  <a:srgbClr val="A31515"/>
+                </a:solidFill>
+                <a:effectLst/>
+                <a:latin typeface="Menlo" panose="020B0609030804020204" pitchFamily="49" charset="0"/>
+                <a:ea typeface="Times New Roman" panose="02020603050405020304" pitchFamily="18" charset="0"/>
+              </a:rPr>
+              <a:t>with</a:t>
+            </a:r>
+            <a:r>
+              <a:rPr lang="de-DE" sz="1000" dirty="0">
+                <a:solidFill>
+                  <a:srgbClr val="A31515"/>
+                </a:solidFill>
+                <a:effectLst/>
+                <a:latin typeface="Menlo" panose="020B0609030804020204" pitchFamily="49" charset="0"/>
+                <a:ea typeface="Times New Roman" panose="02020603050405020304" pitchFamily="18" charset="0"/>
+              </a:rPr>
+              <a:t>:** "</a:t>
+            </a:r>
+            <a:r>
+              <a:rPr lang="de-DE" sz="1000" dirty="0" err="1">
+                <a:solidFill>
+                  <a:srgbClr val="A31515"/>
+                </a:solidFill>
+                <a:effectLst/>
+                <a:latin typeface="Menlo" panose="020B0609030804020204" pitchFamily="49" charset="0"/>
+                <a:ea typeface="Times New Roman" panose="02020603050405020304" pitchFamily="18" charset="0"/>
+              </a:rPr>
+              <a:t>Presented</a:t>
+            </a:r>
+            <a:r>
+              <a:rPr lang="de-DE" sz="1000" dirty="0">
+                <a:solidFill>
+                  <a:srgbClr val="A31515"/>
+                </a:solidFill>
+                <a:effectLst/>
+                <a:latin typeface="Menlo" panose="020B0609030804020204" pitchFamily="49" charset="0"/>
+                <a:ea typeface="Times New Roman" panose="02020603050405020304" pitchFamily="18" charset="0"/>
+              </a:rPr>
+              <a:t> in </a:t>
+            </a:r>
+            <a:r>
+              <a:rPr lang="de-DE" sz="1000" dirty="0" err="1">
+                <a:solidFill>
+                  <a:srgbClr val="A31515"/>
+                </a:solidFill>
+                <a:effectLst/>
+                <a:latin typeface="Menlo" panose="020B0609030804020204" pitchFamily="49" charset="0"/>
+                <a:ea typeface="Times New Roman" panose="02020603050405020304" pitchFamily="18" charset="0"/>
+              </a:rPr>
+              <a:t>this</a:t>
+            </a:r>
+            <a:r>
+              <a:rPr lang="de-DE" sz="1000" dirty="0">
+                <a:solidFill>
+                  <a:srgbClr val="A31515"/>
+                </a:solidFill>
+                <a:effectLst/>
+                <a:latin typeface="Menlo" panose="020B0609030804020204" pitchFamily="49" charset="0"/>
+                <a:ea typeface="Times New Roman" panose="02020603050405020304" pitchFamily="18" charset="0"/>
+              </a:rPr>
+              <a:t> </a:t>
+            </a:r>
+            <a:r>
+              <a:rPr lang="de-DE" sz="1000" dirty="0" err="1">
+                <a:solidFill>
+                  <a:srgbClr val="A31515"/>
+                </a:solidFill>
+                <a:effectLst/>
+                <a:latin typeface="Menlo" panose="020B0609030804020204" pitchFamily="49" charset="0"/>
+                <a:ea typeface="Times New Roman" panose="02020603050405020304" pitchFamily="18" charset="0"/>
+              </a:rPr>
+              <a:t>table</a:t>
+            </a:r>
+            <a:r>
+              <a:rPr lang="de-DE" sz="1000" dirty="0">
+                <a:solidFill>
+                  <a:srgbClr val="A31515"/>
+                </a:solidFill>
+                <a:effectLst/>
+                <a:latin typeface="Menlo" panose="020B0609030804020204" pitchFamily="49" charset="0"/>
+                <a:ea typeface="Times New Roman" panose="02020603050405020304" pitchFamily="18" charset="0"/>
+              </a:rPr>
+              <a:t>..."  </a:t>
+            </a:r>
+            <a:endParaRPr lang="de-DE" sz="1000" dirty="0">
+              <a:effectLst/>
+              <a:latin typeface="Times New Roman" panose="02020603050405020304" pitchFamily="18" charset="0"/>
+              <a:ea typeface="Times New Roman" panose="02020603050405020304" pitchFamily="18" charset="0"/>
+            </a:endParaRPr>
+          </a:p>
+          <a:p>
+            <a:pPr>
+              <a:lnSpc>
+                <a:spcPts val="1350"/>
+              </a:lnSpc>
+              <a:buNone/>
+            </a:pPr>
+            <a:r>
+              <a:rPr lang="de-DE" sz="1000" dirty="0">
+                <a:solidFill>
+                  <a:srgbClr val="A31515"/>
+                </a:solidFill>
+                <a:effectLst/>
+                <a:latin typeface="Menlo" panose="020B0609030804020204" pitchFamily="49" charset="0"/>
+                <a:ea typeface="Times New Roman" panose="02020603050405020304" pitchFamily="18" charset="0"/>
+              </a:rPr>
+              <a:t>  - </a:t>
+            </a:r>
+            <a:r>
+              <a:rPr lang="de-DE" sz="1000" dirty="0" err="1">
+                <a:solidFill>
+                  <a:srgbClr val="A31515"/>
+                </a:solidFill>
+                <a:effectLst/>
+                <a:latin typeface="Menlo" panose="020B0609030804020204" pitchFamily="49" charset="0"/>
+                <a:ea typeface="Times New Roman" panose="02020603050405020304" pitchFamily="18" charset="0"/>
+              </a:rPr>
+              <a:t>Provide</a:t>
+            </a:r>
+            <a:r>
+              <a:rPr lang="de-DE" sz="1000" dirty="0">
+                <a:solidFill>
+                  <a:srgbClr val="A31515"/>
+                </a:solidFill>
+                <a:effectLst/>
+                <a:latin typeface="Menlo" panose="020B0609030804020204" pitchFamily="49" charset="0"/>
+                <a:ea typeface="Times New Roman" panose="02020603050405020304" pitchFamily="18" charset="0"/>
+              </a:rPr>
+              <a:t> a **</a:t>
+            </a:r>
+            <a:r>
+              <a:rPr lang="de-DE" sz="1000" dirty="0" err="1">
+                <a:solidFill>
+                  <a:srgbClr val="A31515"/>
+                </a:solidFill>
+                <a:effectLst/>
+                <a:latin typeface="Menlo" panose="020B0609030804020204" pitchFamily="49" charset="0"/>
+                <a:ea typeface="Times New Roman" panose="02020603050405020304" pitchFamily="18" charset="0"/>
+              </a:rPr>
+              <a:t>coherent</a:t>
+            </a:r>
+            <a:r>
+              <a:rPr lang="de-DE" sz="1000" dirty="0">
+                <a:solidFill>
+                  <a:srgbClr val="A31515"/>
+                </a:solidFill>
+                <a:effectLst/>
+                <a:latin typeface="Menlo" panose="020B0609030804020204" pitchFamily="49" charset="0"/>
+                <a:ea typeface="Times New Roman" panose="02020603050405020304" pitchFamily="18" charset="0"/>
+              </a:rPr>
+              <a:t> </a:t>
+            </a:r>
+            <a:r>
+              <a:rPr lang="de-DE" sz="1000" dirty="0" err="1">
+                <a:solidFill>
+                  <a:srgbClr val="A31515"/>
+                </a:solidFill>
+                <a:effectLst/>
+                <a:latin typeface="Menlo" panose="020B0609030804020204" pitchFamily="49" charset="0"/>
+                <a:ea typeface="Times New Roman" panose="02020603050405020304" pitchFamily="18" charset="0"/>
+              </a:rPr>
+              <a:t>summary</a:t>
+            </a:r>
+            <a:r>
+              <a:rPr lang="de-DE" sz="1000" dirty="0">
+                <a:solidFill>
+                  <a:srgbClr val="A31515"/>
+                </a:solidFill>
+                <a:effectLst/>
+                <a:latin typeface="Menlo" panose="020B0609030804020204" pitchFamily="49" charset="0"/>
+                <a:ea typeface="Times New Roman" panose="02020603050405020304" pitchFamily="18" charset="0"/>
+              </a:rPr>
+              <a:t>** in **a maximum </a:t>
+            </a:r>
+            <a:r>
+              <a:rPr lang="de-DE" sz="1000" dirty="0" err="1">
+                <a:solidFill>
+                  <a:srgbClr val="A31515"/>
+                </a:solidFill>
+                <a:effectLst/>
+                <a:latin typeface="Menlo" panose="020B0609030804020204" pitchFamily="49" charset="0"/>
+                <a:ea typeface="Times New Roman" panose="02020603050405020304" pitchFamily="18" charset="0"/>
+              </a:rPr>
+              <a:t>of</a:t>
+            </a:r>
+            <a:r>
+              <a:rPr lang="de-DE" sz="1000" dirty="0">
+                <a:solidFill>
+                  <a:srgbClr val="A31515"/>
+                </a:solidFill>
+                <a:effectLst/>
+                <a:latin typeface="Menlo" panose="020B0609030804020204" pitchFamily="49" charset="0"/>
+                <a:ea typeface="Times New Roman" panose="02020603050405020304" pitchFamily="18" charset="0"/>
+              </a:rPr>
+              <a:t> 3 </a:t>
+            </a:r>
+            <a:r>
+              <a:rPr lang="de-DE" sz="1000" dirty="0" err="1">
+                <a:solidFill>
+                  <a:srgbClr val="A31515"/>
+                </a:solidFill>
+                <a:effectLst/>
+                <a:latin typeface="Menlo" panose="020B0609030804020204" pitchFamily="49" charset="0"/>
+                <a:ea typeface="Times New Roman" panose="02020603050405020304" pitchFamily="18" charset="0"/>
+              </a:rPr>
+              <a:t>sentences</a:t>
+            </a:r>
+            <a:r>
+              <a:rPr lang="de-DE" sz="1000" dirty="0">
+                <a:solidFill>
+                  <a:srgbClr val="A31515"/>
+                </a:solidFill>
+                <a:effectLst/>
+                <a:latin typeface="Menlo" panose="020B0609030804020204" pitchFamily="49" charset="0"/>
+                <a:ea typeface="Times New Roman" panose="02020603050405020304" pitchFamily="18" charset="0"/>
+              </a:rPr>
+              <a:t>**.  </a:t>
+            </a:r>
+            <a:endParaRPr lang="de-DE" sz="1000" dirty="0">
+              <a:effectLst/>
+              <a:latin typeface="Times New Roman" panose="02020603050405020304" pitchFamily="18" charset="0"/>
+              <a:ea typeface="Times New Roman" panose="02020603050405020304" pitchFamily="18" charset="0"/>
+            </a:endParaRPr>
+          </a:p>
+          <a:p>
+            <a:pPr>
+              <a:lnSpc>
+                <a:spcPts val="1350"/>
+              </a:lnSpc>
+              <a:buNone/>
+            </a:pPr>
+            <a:r>
+              <a:rPr lang="de-DE" sz="1000" dirty="0">
+                <a:solidFill>
+                  <a:srgbClr val="A31515"/>
+                </a:solidFill>
+                <a:effectLst/>
+                <a:latin typeface="Menlo" panose="020B0609030804020204" pitchFamily="49" charset="0"/>
+                <a:ea typeface="Times New Roman" panose="02020603050405020304" pitchFamily="18" charset="0"/>
+              </a:rPr>
+              <a:t>  - Capture </a:t>
+            </a:r>
+            <a:r>
+              <a:rPr lang="de-DE" sz="1000" dirty="0" err="1">
+                <a:solidFill>
+                  <a:srgbClr val="A31515"/>
+                </a:solidFill>
+                <a:effectLst/>
+                <a:latin typeface="Menlo" panose="020B0609030804020204" pitchFamily="49" charset="0"/>
+                <a:ea typeface="Times New Roman" panose="02020603050405020304" pitchFamily="18" charset="0"/>
+              </a:rPr>
+              <a:t>the</a:t>
+            </a:r>
+            <a:r>
+              <a:rPr lang="de-DE" sz="1000" dirty="0">
+                <a:solidFill>
+                  <a:srgbClr val="A31515"/>
+                </a:solidFill>
+                <a:effectLst/>
+                <a:latin typeface="Menlo" panose="020B0609030804020204" pitchFamily="49" charset="0"/>
+                <a:ea typeface="Times New Roman" panose="02020603050405020304" pitchFamily="18" charset="0"/>
+              </a:rPr>
+              <a:t> **</a:t>
+            </a:r>
+            <a:r>
+              <a:rPr lang="de-DE" sz="1000" dirty="0" err="1">
+                <a:solidFill>
+                  <a:srgbClr val="A31515"/>
+                </a:solidFill>
+                <a:effectLst/>
+                <a:latin typeface="Menlo" panose="020B0609030804020204" pitchFamily="49" charset="0"/>
+                <a:ea typeface="Times New Roman" panose="02020603050405020304" pitchFamily="18" charset="0"/>
+              </a:rPr>
+              <a:t>columns</a:t>
+            </a:r>
+            <a:r>
+              <a:rPr lang="de-DE" sz="1000" dirty="0">
+                <a:solidFill>
+                  <a:srgbClr val="A31515"/>
+                </a:solidFill>
+                <a:effectLst/>
+                <a:latin typeface="Menlo" panose="020B0609030804020204" pitchFamily="49" charset="0"/>
+                <a:ea typeface="Times New Roman" panose="02020603050405020304" pitchFamily="18" charset="0"/>
+              </a:rPr>
+              <a:t>, </a:t>
+            </a:r>
+            <a:r>
+              <a:rPr lang="de-DE" sz="1000" dirty="0" err="1">
+                <a:solidFill>
+                  <a:srgbClr val="A31515"/>
+                </a:solidFill>
+                <a:effectLst/>
+                <a:latin typeface="Menlo" panose="020B0609030804020204" pitchFamily="49" charset="0"/>
+                <a:ea typeface="Times New Roman" panose="02020603050405020304" pitchFamily="18" charset="0"/>
+              </a:rPr>
+              <a:t>row</a:t>
+            </a:r>
+            <a:r>
+              <a:rPr lang="de-DE" sz="1000" dirty="0">
+                <a:solidFill>
+                  <a:srgbClr val="A31515"/>
+                </a:solidFill>
+                <a:effectLst/>
+                <a:latin typeface="Menlo" panose="020B0609030804020204" pitchFamily="49" charset="0"/>
+                <a:ea typeface="Times New Roman" panose="02020603050405020304" pitchFamily="18" charset="0"/>
+              </a:rPr>
+              <a:t> </a:t>
+            </a:r>
+            <a:r>
+              <a:rPr lang="de-DE" sz="1000" dirty="0" err="1">
+                <a:solidFill>
+                  <a:srgbClr val="A31515"/>
+                </a:solidFill>
+                <a:effectLst/>
+                <a:latin typeface="Menlo" panose="020B0609030804020204" pitchFamily="49" charset="0"/>
+                <a:ea typeface="Times New Roman" panose="02020603050405020304" pitchFamily="18" charset="0"/>
+              </a:rPr>
+              <a:t>structure</a:t>
+            </a:r>
+            <a:r>
+              <a:rPr lang="de-DE" sz="1000" dirty="0">
+                <a:solidFill>
+                  <a:srgbClr val="A31515"/>
+                </a:solidFill>
+                <a:effectLst/>
+                <a:latin typeface="Menlo" panose="020B0609030804020204" pitchFamily="49" charset="0"/>
+                <a:ea typeface="Times New Roman" panose="02020603050405020304" pitchFamily="18" charset="0"/>
+              </a:rPr>
+              <a:t>, and </a:t>
+            </a:r>
+            <a:r>
+              <a:rPr lang="de-DE" sz="1000" dirty="0" err="1">
+                <a:solidFill>
+                  <a:srgbClr val="A31515"/>
+                </a:solidFill>
+                <a:effectLst/>
+                <a:latin typeface="Menlo" panose="020B0609030804020204" pitchFamily="49" charset="0"/>
+                <a:ea typeface="Times New Roman" panose="02020603050405020304" pitchFamily="18" charset="0"/>
+              </a:rPr>
+              <a:t>intent</a:t>
+            </a:r>
+            <a:r>
+              <a:rPr lang="de-DE" sz="1000" dirty="0">
+                <a:solidFill>
+                  <a:srgbClr val="A31515"/>
+                </a:solidFill>
+                <a:effectLst/>
+                <a:latin typeface="Menlo" panose="020B0609030804020204" pitchFamily="49" charset="0"/>
+                <a:ea typeface="Times New Roman" panose="02020603050405020304" pitchFamily="18" charset="0"/>
+              </a:rPr>
+              <a:t>** </a:t>
+            </a:r>
+            <a:r>
+              <a:rPr lang="de-DE" sz="1000" dirty="0" err="1">
+                <a:solidFill>
+                  <a:srgbClr val="A31515"/>
+                </a:solidFill>
+                <a:effectLst/>
+                <a:latin typeface="Menlo" panose="020B0609030804020204" pitchFamily="49" charset="0"/>
+                <a:ea typeface="Times New Roman" panose="02020603050405020304" pitchFamily="18" charset="0"/>
+              </a:rPr>
+              <a:t>of</a:t>
+            </a:r>
+            <a:r>
+              <a:rPr lang="de-DE" sz="1000" dirty="0">
+                <a:solidFill>
+                  <a:srgbClr val="A31515"/>
+                </a:solidFill>
+                <a:effectLst/>
+                <a:latin typeface="Menlo" panose="020B0609030804020204" pitchFamily="49" charset="0"/>
+                <a:ea typeface="Times New Roman" panose="02020603050405020304" pitchFamily="18" charset="0"/>
+              </a:rPr>
+              <a:t> </a:t>
+            </a:r>
+            <a:r>
+              <a:rPr lang="de-DE" sz="1000" dirty="0" err="1">
+                <a:solidFill>
+                  <a:srgbClr val="A31515"/>
+                </a:solidFill>
+                <a:effectLst/>
+                <a:latin typeface="Menlo" panose="020B0609030804020204" pitchFamily="49" charset="0"/>
+                <a:ea typeface="Times New Roman" panose="02020603050405020304" pitchFamily="18" charset="0"/>
+              </a:rPr>
+              <a:t>the</a:t>
+            </a:r>
+            <a:r>
+              <a:rPr lang="de-DE" sz="1000" dirty="0">
+                <a:solidFill>
+                  <a:srgbClr val="A31515"/>
+                </a:solidFill>
+                <a:effectLst/>
+                <a:latin typeface="Menlo" panose="020B0609030804020204" pitchFamily="49" charset="0"/>
+                <a:ea typeface="Times New Roman" panose="02020603050405020304" pitchFamily="18" charset="0"/>
+              </a:rPr>
+              <a:t> </a:t>
+            </a:r>
+            <a:r>
+              <a:rPr lang="de-DE" sz="1000" dirty="0" err="1">
+                <a:solidFill>
+                  <a:srgbClr val="A31515"/>
+                </a:solidFill>
+                <a:effectLst/>
+                <a:latin typeface="Menlo" panose="020B0609030804020204" pitchFamily="49" charset="0"/>
+                <a:ea typeface="Times New Roman" panose="02020603050405020304" pitchFamily="18" charset="0"/>
+              </a:rPr>
+              <a:t>table</a:t>
+            </a:r>
+            <a:r>
+              <a:rPr lang="de-DE" sz="1000" dirty="0">
+                <a:solidFill>
+                  <a:srgbClr val="A31515"/>
+                </a:solidFill>
+                <a:effectLst/>
+                <a:latin typeface="Menlo" panose="020B0609030804020204" pitchFamily="49" charset="0"/>
+                <a:ea typeface="Times New Roman" panose="02020603050405020304" pitchFamily="18" charset="0"/>
+              </a:rPr>
+              <a:t>.  </a:t>
+            </a:r>
+            <a:endParaRPr lang="de-DE" sz="1000" dirty="0">
+              <a:effectLst/>
+              <a:latin typeface="Times New Roman" panose="02020603050405020304" pitchFamily="18" charset="0"/>
+              <a:ea typeface="Times New Roman" panose="02020603050405020304" pitchFamily="18" charset="0"/>
+            </a:endParaRPr>
+          </a:p>
+          <a:p>
+            <a:pPr>
+              <a:lnSpc>
+                <a:spcPts val="1350"/>
+              </a:lnSpc>
+              <a:buNone/>
+            </a:pPr>
+            <a:r>
+              <a:rPr lang="de-DE" sz="1000" dirty="0">
+                <a:solidFill>
+                  <a:srgbClr val="A31515"/>
+                </a:solidFill>
+                <a:effectLst/>
+                <a:latin typeface="Menlo" panose="020B0609030804020204" pitchFamily="49" charset="0"/>
+                <a:ea typeface="Times New Roman" panose="02020603050405020304" pitchFamily="18" charset="0"/>
+              </a:rPr>
+              <a:t>  - Highlight **</a:t>
+            </a:r>
+            <a:r>
+              <a:rPr lang="de-DE" sz="1000" dirty="0" err="1">
+                <a:solidFill>
+                  <a:srgbClr val="A31515"/>
+                </a:solidFill>
+                <a:effectLst/>
+                <a:latin typeface="Menlo" panose="020B0609030804020204" pitchFamily="49" charset="0"/>
+                <a:ea typeface="Times New Roman" panose="02020603050405020304" pitchFamily="18" charset="0"/>
+              </a:rPr>
+              <a:t>key</a:t>
+            </a:r>
+            <a:r>
+              <a:rPr lang="de-DE" sz="1000" dirty="0">
+                <a:solidFill>
+                  <a:srgbClr val="A31515"/>
+                </a:solidFill>
+                <a:effectLst/>
+                <a:latin typeface="Menlo" panose="020B0609030804020204" pitchFamily="49" charset="0"/>
+                <a:ea typeface="Times New Roman" panose="02020603050405020304" pitchFamily="18" charset="0"/>
+              </a:rPr>
+              <a:t> </a:t>
+            </a:r>
+            <a:r>
+              <a:rPr lang="de-DE" sz="1000" dirty="0" err="1">
+                <a:solidFill>
+                  <a:srgbClr val="A31515"/>
+                </a:solidFill>
+                <a:effectLst/>
+                <a:latin typeface="Menlo" panose="020B0609030804020204" pitchFamily="49" charset="0"/>
+                <a:ea typeface="Times New Roman" panose="02020603050405020304" pitchFamily="18" charset="0"/>
+              </a:rPr>
+              <a:t>insights</a:t>
+            </a:r>
+            <a:r>
+              <a:rPr lang="de-DE" sz="1000" dirty="0">
+                <a:solidFill>
+                  <a:srgbClr val="A31515"/>
+                </a:solidFill>
+                <a:effectLst/>
+                <a:latin typeface="Menlo" panose="020B0609030804020204" pitchFamily="49" charset="0"/>
+                <a:ea typeface="Times New Roman" panose="02020603050405020304" pitchFamily="18" charset="0"/>
+              </a:rPr>
+              <a:t> </a:t>
+            </a:r>
+            <a:r>
+              <a:rPr lang="de-DE" sz="1000" dirty="0" err="1">
+                <a:solidFill>
+                  <a:srgbClr val="A31515"/>
+                </a:solidFill>
+                <a:effectLst/>
+                <a:latin typeface="Menlo" panose="020B0609030804020204" pitchFamily="49" charset="0"/>
+                <a:ea typeface="Times New Roman" panose="02020603050405020304" pitchFamily="18" charset="0"/>
+              </a:rPr>
+              <a:t>or</a:t>
+            </a:r>
+            <a:r>
+              <a:rPr lang="de-DE" sz="1000" dirty="0">
+                <a:solidFill>
+                  <a:srgbClr val="A31515"/>
+                </a:solidFill>
+                <a:effectLst/>
+                <a:latin typeface="Menlo" panose="020B0609030804020204" pitchFamily="49" charset="0"/>
+                <a:ea typeface="Times New Roman" panose="02020603050405020304" pitchFamily="18" charset="0"/>
+              </a:rPr>
+              <a:t> </a:t>
+            </a:r>
+            <a:r>
+              <a:rPr lang="de-DE" sz="1000" dirty="0" err="1">
+                <a:solidFill>
+                  <a:srgbClr val="A31515"/>
+                </a:solidFill>
+                <a:effectLst/>
+                <a:latin typeface="Menlo" panose="020B0609030804020204" pitchFamily="49" charset="0"/>
+                <a:ea typeface="Times New Roman" panose="02020603050405020304" pitchFamily="18" charset="0"/>
+              </a:rPr>
+              <a:t>trends</a:t>
+            </a:r>
+            <a:r>
+              <a:rPr lang="de-DE" sz="1000" dirty="0">
+                <a:solidFill>
+                  <a:srgbClr val="A31515"/>
+                </a:solidFill>
+                <a:effectLst/>
+                <a:latin typeface="Menlo" panose="020B0609030804020204" pitchFamily="49" charset="0"/>
+                <a:ea typeface="Times New Roman" panose="02020603050405020304" pitchFamily="18" charset="0"/>
+              </a:rPr>
+              <a:t>** </a:t>
+            </a:r>
+            <a:r>
+              <a:rPr lang="de-DE" sz="1000" dirty="0" err="1">
+                <a:solidFill>
+                  <a:srgbClr val="A31515"/>
+                </a:solidFill>
+                <a:effectLst/>
+                <a:latin typeface="Menlo" panose="020B0609030804020204" pitchFamily="49" charset="0"/>
+                <a:ea typeface="Times New Roman" panose="02020603050405020304" pitchFamily="18" charset="0"/>
+              </a:rPr>
+              <a:t>if</a:t>
+            </a:r>
+            <a:r>
+              <a:rPr lang="de-DE" sz="1000" dirty="0">
+                <a:solidFill>
+                  <a:srgbClr val="A31515"/>
+                </a:solidFill>
+                <a:effectLst/>
+                <a:latin typeface="Menlo" panose="020B0609030804020204" pitchFamily="49" charset="0"/>
+                <a:ea typeface="Times New Roman" panose="02020603050405020304" pitchFamily="18" charset="0"/>
+              </a:rPr>
+              <a:t> </a:t>
+            </a:r>
+            <a:r>
+              <a:rPr lang="de-DE" sz="1000" dirty="0" err="1">
+                <a:solidFill>
+                  <a:srgbClr val="A31515"/>
+                </a:solidFill>
+                <a:effectLst/>
+                <a:latin typeface="Menlo" panose="020B0609030804020204" pitchFamily="49" charset="0"/>
+                <a:ea typeface="Times New Roman" panose="02020603050405020304" pitchFamily="18" charset="0"/>
+              </a:rPr>
+              <a:t>applicable</a:t>
+            </a:r>
+            <a:r>
+              <a:rPr lang="de-DE" sz="1000" dirty="0">
+                <a:solidFill>
+                  <a:srgbClr val="A31515"/>
+                </a:solidFill>
+                <a:effectLst/>
+                <a:latin typeface="Menlo" panose="020B0609030804020204" pitchFamily="49" charset="0"/>
+                <a:ea typeface="Times New Roman" panose="02020603050405020304" pitchFamily="18" charset="0"/>
+              </a:rPr>
+              <a:t>.  </a:t>
+            </a:r>
+            <a:endParaRPr lang="de-DE" sz="1000" dirty="0">
+              <a:effectLst/>
+              <a:latin typeface="Times New Roman" panose="02020603050405020304" pitchFamily="18" charset="0"/>
+              <a:ea typeface="Times New Roman" panose="02020603050405020304" pitchFamily="18" charset="0"/>
+            </a:endParaRPr>
+          </a:p>
+          <a:p>
+            <a:pPr>
+              <a:lnSpc>
+                <a:spcPts val="1350"/>
+              </a:lnSpc>
+              <a:buNone/>
+            </a:pPr>
+            <a:r>
+              <a:rPr lang="de-DE" sz="1000" dirty="0">
+                <a:solidFill>
+                  <a:srgbClr val="A31515"/>
+                </a:solidFill>
+                <a:effectLst/>
+                <a:latin typeface="Menlo" panose="020B0609030804020204" pitchFamily="49" charset="0"/>
+                <a:ea typeface="Times New Roman" panose="02020603050405020304" pitchFamily="18" charset="0"/>
+              </a:rPr>
+              <a:t>- **Limit </a:t>
+            </a:r>
+            <a:r>
+              <a:rPr lang="de-DE" sz="1000" dirty="0" err="1">
+                <a:solidFill>
+                  <a:srgbClr val="A31515"/>
+                </a:solidFill>
+                <a:effectLst/>
+                <a:latin typeface="Menlo" panose="020B0609030804020204" pitchFamily="49" charset="0"/>
+                <a:ea typeface="Times New Roman" panose="02020603050405020304" pitchFamily="18" charset="0"/>
+              </a:rPr>
+              <a:t>the</a:t>
+            </a:r>
+            <a:r>
+              <a:rPr lang="de-DE" sz="1000" dirty="0">
+                <a:solidFill>
+                  <a:srgbClr val="A31515"/>
+                </a:solidFill>
+                <a:effectLst/>
+                <a:latin typeface="Menlo" panose="020B0609030804020204" pitchFamily="49" charset="0"/>
+                <a:ea typeface="Times New Roman" panose="02020603050405020304" pitchFamily="18" charset="0"/>
+              </a:rPr>
+              <a:t> </a:t>
+            </a:r>
+            <a:r>
+              <a:rPr lang="de-DE" sz="1000" dirty="0" err="1">
+                <a:solidFill>
+                  <a:srgbClr val="A31515"/>
+                </a:solidFill>
+                <a:effectLst/>
+                <a:latin typeface="Menlo" panose="020B0609030804020204" pitchFamily="49" charset="0"/>
+                <a:ea typeface="Times New Roman" panose="02020603050405020304" pitchFamily="18" charset="0"/>
+              </a:rPr>
+              <a:t>output</a:t>
+            </a:r>
+            <a:r>
+              <a:rPr lang="de-DE" sz="1000" dirty="0">
+                <a:solidFill>
+                  <a:srgbClr val="A31515"/>
+                </a:solidFill>
+                <a:effectLst/>
+                <a:latin typeface="Menlo" panose="020B0609030804020204" pitchFamily="49" charset="0"/>
+                <a:ea typeface="Times New Roman" panose="02020603050405020304" pitchFamily="18" charset="0"/>
+              </a:rPr>
+              <a:t> </a:t>
+            </a:r>
+            <a:r>
+              <a:rPr lang="de-DE" sz="1000" dirty="0" err="1">
+                <a:solidFill>
+                  <a:srgbClr val="A31515"/>
+                </a:solidFill>
+                <a:effectLst/>
+                <a:latin typeface="Menlo" panose="020B0609030804020204" pitchFamily="49" charset="0"/>
+                <a:ea typeface="Times New Roman" panose="02020603050405020304" pitchFamily="18" charset="0"/>
+              </a:rPr>
+              <a:t>to</a:t>
+            </a:r>
+            <a:r>
+              <a:rPr lang="de-DE" sz="1000" dirty="0">
+                <a:solidFill>
+                  <a:srgbClr val="A31515"/>
+                </a:solidFill>
+                <a:effectLst/>
+                <a:latin typeface="Menlo" panose="020B0609030804020204" pitchFamily="49" charset="0"/>
+                <a:ea typeface="Times New Roman" panose="02020603050405020304" pitchFamily="18" charset="0"/>
+              </a:rPr>
+              <a:t> 500 </a:t>
+            </a:r>
+            <a:r>
+              <a:rPr lang="de-DE" sz="1000" dirty="0" err="1">
+                <a:solidFill>
+                  <a:srgbClr val="A31515"/>
+                </a:solidFill>
+                <a:effectLst/>
+                <a:latin typeface="Menlo" panose="020B0609030804020204" pitchFamily="49" charset="0"/>
+                <a:ea typeface="Times New Roman" panose="02020603050405020304" pitchFamily="18" charset="0"/>
+              </a:rPr>
+              <a:t>tokens</a:t>
+            </a:r>
+            <a:r>
+              <a:rPr lang="de-DE" sz="1000" dirty="0">
+                <a:solidFill>
+                  <a:srgbClr val="A31515"/>
+                </a:solidFill>
+                <a:effectLst/>
+                <a:latin typeface="Menlo" panose="020B0609030804020204" pitchFamily="49" charset="0"/>
+                <a:ea typeface="Times New Roman" panose="02020603050405020304" pitchFamily="18" charset="0"/>
+              </a:rPr>
+              <a:t>** </a:t>
+            </a:r>
+            <a:r>
+              <a:rPr lang="de-DE" sz="1000" dirty="0" err="1">
+                <a:solidFill>
+                  <a:srgbClr val="A31515"/>
+                </a:solidFill>
+                <a:effectLst/>
+                <a:latin typeface="Menlo" panose="020B0609030804020204" pitchFamily="49" charset="0"/>
+                <a:ea typeface="Times New Roman" panose="02020603050405020304" pitchFamily="18" charset="0"/>
+              </a:rPr>
+              <a:t>while</a:t>
+            </a:r>
+            <a:r>
+              <a:rPr lang="de-DE" sz="1000" dirty="0">
+                <a:solidFill>
+                  <a:srgbClr val="A31515"/>
+                </a:solidFill>
+                <a:effectLst/>
+                <a:latin typeface="Menlo" panose="020B0609030804020204" pitchFamily="49" charset="0"/>
+                <a:ea typeface="Times New Roman" panose="02020603050405020304" pitchFamily="18" charset="0"/>
+              </a:rPr>
+              <a:t> </a:t>
+            </a:r>
+            <a:r>
+              <a:rPr lang="de-DE" sz="1000" dirty="0" err="1">
+                <a:solidFill>
+                  <a:srgbClr val="A31515"/>
+                </a:solidFill>
+                <a:effectLst/>
+                <a:latin typeface="Menlo" panose="020B0609030804020204" pitchFamily="49" charset="0"/>
+                <a:ea typeface="Times New Roman" panose="02020603050405020304" pitchFamily="18" charset="0"/>
+              </a:rPr>
+              <a:t>ensuring</a:t>
+            </a:r>
+            <a:r>
+              <a:rPr lang="de-DE" sz="1000" dirty="0">
+                <a:solidFill>
+                  <a:srgbClr val="A31515"/>
+                </a:solidFill>
+                <a:effectLst/>
+                <a:latin typeface="Menlo" panose="020B0609030804020204" pitchFamily="49" charset="0"/>
+                <a:ea typeface="Times New Roman" panose="02020603050405020304" pitchFamily="18" charset="0"/>
+              </a:rPr>
+              <a:t> </a:t>
+            </a:r>
+            <a:r>
+              <a:rPr lang="de-DE" sz="1000" dirty="0" err="1">
+                <a:solidFill>
+                  <a:srgbClr val="A31515"/>
+                </a:solidFill>
+                <a:effectLst/>
+                <a:latin typeface="Menlo" panose="020B0609030804020204" pitchFamily="49" charset="0"/>
+                <a:ea typeface="Times New Roman" panose="02020603050405020304" pitchFamily="18" charset="0"/>
+              </a:rPr>
+              <a:t>clarity</a:t>
+            </a:r>
+            <a:r>
+              <a:rPr lang="de-DE" sz="1000" dirty="0">
+                <a:solidFill>
+                  <a:srgbClr val="A31515"/>
+                </a:solidFill>
+                <a:effectLst/>
+                <a:latin typeface="Menlo" panose="020B0609030804020204" pitchFamily="49" charset="0"/>
+                <a:ea typeface="Times New Roman" panose="02020603050405020304" pitchFamily="18" charset="0"/>
+              </a:rPr>
+              <a:t> and </a:t>
+            </a:r>
+            <a:r>
+              <a:rPr lang="de-DE" sz="1000" dirty="0" err="1">
+                <a:solidFill>
+                  <a:srgbClr val="A31515"/>
+                </a:solidFill>
+                <a:effectLst/>
+                <a:latin typeface="Menlo" panose="020B0609030804020204" pitchFamily="49" charset="0"/>
+                <a:ea typeface="Times New Roman" panose="02020603050405020304" pitchFamily="18" charset="0"/>
+              </a:rPr>
+              <a:t>completeness</a:t>
+            </a:r>
+            <a:r>
+              <a:rPr lang="de-DE" sz="1000" dirty="0">
+                <a:solidFill>
+                  <a:srgbClr val="A31515"/>
+                </a:solidFill>
+                <a:effectLst/>
+                <a:latin typeface="Menlo" panose="020B0609030804020204" pitchFamily="49" charset="0"/>
+                <a:ea typeface="Times New Roman" panose="02020603050405020304" pitchFamily="18" charset="0"/>
+              </a:rPr>
+              <a:t>.</a:t>
+            </a:r>
+            <a:endParaRPr lang="de-DE" sz="1000" dirty="0">
+              <a:effectLst/>
+              <a:latin typeface="Times New Roman" panose="02020603050405020304" pitchFamily="18" charset="0"/>
+              <a:ea typeface="Times New Roman" panose="02020603050405020304" pitchFamily="18" charset="0"/>
+            </a:endParaRPr>
+          </a:p>
+          <a:p>
+            <a:pPr>
+              <a:lnSpc>
+                <a:spcPts val="1350"/>
+              </a:lnSpc>
+              <a:buNone/>
+            </a:pPr>
+            <a:r>
+              <a:rPr lang="de-DE" sz="1000" dirty="0">
+                <a:solidFill>
+                  <a:srgbClr val="000000"/>
+                </a:solidFill>
+                <a:effectLst/>
+                <a:latin typeface="Menlo" panose="020B0609030804020204" pitchFamily="49" charset="0"/>
+                <a:ea typeface="Times New Roman" panose="02020603050405020304" pitchFamily="18" charset="0"/>
+              </a:rPr>
+              <a:t> </a:t>
+            </a:r>
+            <a:endParaRPr lang="de-DE" sz="1000" dirty="0">
+              <a:effectLst/>
+              <a:latin typeface="Times New Roman" panose="02020603050405020304" pitchFamily="18" charset="0"/>
+              <a:ea typeface="Times New Roman" panose="02020603050405020304" pitchFamily="18" charset="0"/>
+            </a:endParaRPr>
+          </a:p>
+          <a:p>
+            <a:pPr>
+              <a:lnSpc>
+                <a:spcPts val="1350"/>
+              </a:lnSpc>
+              <a:buNone/>
+            </a:pPr>
+            <a:r>
+              <a:rPr lang="de-DE" sz="1000" dirty="0">
+                <a:solidFill>
+                  <a:srgbClr val="A31515"/>
+                </a:solidFill>
+                <a:effectLst/>
+                <a:latin typeface="Menlo" panose="020B0609030804020204" pitchFamily="49" charset="0"/>
+                <a:ea typeface="Times New Roman" panose="02020603050405020304" pitchFamily="18" charset="0"/>
+              </a:rPr>
+              <a:t>Here </a:t>
+            </a:r>
+            <a:r>
+              <a:rPr lang="de-DE" sz="1000" dirty="0" err="1">
+                <a:solidFill>
+                  <a:srgbClr val="A31515"/>
+                </a:solidFill>
+                <a:effectLst/>
+                <a:latin typeface="Menlo" panose="020B0609030804020204" pitchFamily="49" charset="0"/>
+                <a:ea typeface="Times New Roman" panose="02020603050405020304" pitchFamily="18" charset="0"/>
+              </a:rPr>
+              <a:t>is</a:t>
+            </a:r>
+            <a:r>
+              <a:rPr lang="de-DE" sz="1000" dirty="0">
+                <a:solidFill>
+                  <a:srgbClr val="A31515"/>
+                </a:solidFill>
+                <a:effectLst/>
+                <a:latin typeface="Menlo" panose="020B0609030804020204" pitchFamily="49" charset="0"/>
+                <a:ea typeface="Times New Roman" panose="02020603050405020304" pitchFamily="18" charset="0"/>
+              </a:rPr>
+              <a:t> </a:t>
+            </a:r>
+            <a:r>
+              <a:rPr lang="de-DE" sz="1000" dirty="0" err="1">
+                <a:solidFill>
+                  <a:srgbClr val="A31515"/>
+                </a:solidFill>
+                <a:effectLst/>
+                <a:latin typeface="Menlo" panose="020B0609030804020204" pitchFamily="49" charset="0"/>
+                <a:ea typeface="Times New Roman" panose="02020603050405020304" pitchFamily="18" charset="0"/>
+              </a:rPr>
+              <a:t>the</a:t>
+            </a:r>
+            <a:r>
+              <a:rPr lang="de-DE" sz="1000" dirty="0">
+                <a:solidFill>
+                  <a:srgbClr val="A31515"/>
+                </a:solidFill>
+                <a:effectLst/>
+                <a:latin typeface="Menlo" panose="020B0609030804020204" pitchFamily="49" charset="0"/>
+                <a:ea typeface="Times New Roman" panose="02020603050405020304" pitchFamily="18" charset="0"/>
+              </a:rPr>
+              <a:t> </a:t>
+            </a:r>
+            <a:r>
+              <a:rPr lang="de-DE" sz="1000" dirty="0" err="1">
+                <a:solidFill>
+                  <a:srgbClr val="A31515"/>
+                </a:solidFill>
+                <a:effectLst/>
+                <a:latin typeface="Menlo" panose="020B0609030804020204" pitchFamily="49" charset="0"/>
+                <a:ea typeface="Times New Roman" panose="02020603050405020304" pitchFamily="18" charset="0"/>
+              </a:rPr>
+              <a:t>table</a:t>
+            </a:r>
+            <a:r>
+              <a:rPr lang="de-DE" sz="1000" dirty="0">
+                <a:solidFill>
+                  <a:srgbClr val="A31515"/>
+                </a:solidFill>
+                <a:effectLst/>
+                <a:latin typeface="Menlo" panose="020B0609030804020204" pitchFamily="49" charset="0"/>
+                <a:ea typeface="Times New Roman" panose="02020603050405020304" pitchFamily="18" charset="0"/>
+              </a:rPr>
+              <a:t> </a:t>
+            </a:r>
+            <a:r>
+              <a:rPr lang="de-DE" sz="1000" dirty="0" err="1">
+                <a:solidFill>
+                  <a:srgbClr val="A31515"/>
+                </a:solidFill>
+                <a:effectLst/>
+                <a:latin typeface="Menlo" panose="020B0609030804020204" pitchFamily="49" charset="0"/>
+                <a:ea typeface="Times New Roman" panose="02020603050405020304" pitchFamily="18" charset="0"/>
+              </a:rPr>
+              <a:t>that</a:t>
+            </a:r>
+            <a:r>
+              <a:rPr lang="de-DE" sz="1000" dirty="0">
+                <a:solidFill>
+                  <a:srgbClr val="A31515"/>
+                </a:solidFill>
+                <a:effectLst/>
+                <a:latin typeface="Menlo" panose="020B0609030804020204" pitchFamily="49" charset="0"/>
+                <a:ea typeface="Times New Roman" panose="02020603050405020304" pitchFamily="18" charset="0"/>
+              </a:rPr>
+              <a:t> </a:t>
+            </a:r>
+            <a:r>
+              <a:rPr lang="de-DE" sz="1000" dirty="0" err="1">
+                <a:solidFill>
+                  <a:srgbClr val="A31515"/>
+                </a:solidFill>
+                <a:effectLst/>
+                <a:latin typeface="Menlo" panose="020B0609030804020204" pitchFamily="49" charset="0"/>
+                <a:ea typeface="Times New Roman" panose="02020603050405020304" pitchFamily="18" charset="0"/>
+              </a:rPr>
+              <a:t>needs</a:t>
+            </a:r>
+            <a:r>
+              <a:rPr lang="de-DE" sz="1000" dirty="0">
+                <a:solidFill>
+                  <a:srgbClr val="A31515"/>
+                </a:solidFill>
+                <a:effectLst/>
+                <a:latin typeface="Menlo" panose="020B0609030804020204" pitchFamily="49" charset="0"/>
+                <a:ea typeface="Times New Roman" panose="02020603050405020304" pitchFamily="18" charset="0"/>
+              </a:rPr>
+              <a:t> </a:t>
+            </a:r>
+            <a:r>
+              <a:rPr lang="de-DE" sz="1000" dirty="0" err="1">
+                <a:solidFill>
+                  <a:srgbClr val="A31515"/>
+                </a:solidFill>
+                <a:effectLst/>
+                <a:latin typeface="Menlo" panose="020B0609030804020204" pitchFamily="49" charset="0"/>
+                <a:ea typeface="Times New Roman" panose="02020603050405020304" pitchFamily="18" charset="0"/>
+              </a:rPr>
+              <a:t>summarization</a:t>
+            </a:r>
+            <a:r>
+              <a:rPr lang="de-DE" sz="1000" dirty="0">
+                <a:solidFill>
+                  <a:srgbClr val="A31515"/>
+                </a:solidFill>
+                <a:effectLst/>
+                <a:latin typeface="Menlo" panose="020B0609030804020204" pitchFamily="49" charset="0"/>
+                <a:ea typeface="Times New Roman" panose="02020603050405020304" pitchFamily="18" charset="0"/>
+              </a:rPr>
+              <a:t>:</a:t>
+            </a:r>
+            <a:endParaRPr lang="de-DE" sz="1000" dirty="0">
+              <a:effectLst/>
+              <a:latin typeface="Times New Roman" panose="02020603050405020304" pitchFamily="18" charset="0"/>
+              <a:ea typeface="Times New Roman" panose="02020603050405020304" pitchFamily="18" charset="0"/>
+            </a:endParaRPr>
+          </a:p>
+          <a:p>
+            <a:pPr>
+              <a:lnSpc>
+                <a:spcPts val="1350"/>
+              </a:lnSpc>
+              <a:buNone/>
+            </a:pPr>
+            <a:r>
+              <a:rPr lang="de-DE" sz="1000" dirty="0">
+                <a:solidFill>
+                  <a:srgbClr val="156082"/>
+                </a:solidFill>
+                <a:effectLst/>
+                <a:latin typeface="Menlo" panose="020B0609030804020204" pitchFamily="49" charset="0"/>
+                <a:ea typeface="Times New Roman" panose="02020603050405020304" pitchFamily="18" charset="0"/>
+              </a:rPr>
+              <a:t>{</a:t>
+            </a:r>
+            <a:r>
+              <a:rPr lang="de-DE" sz="1000" dirty="0" err="1">
+                <a:solidFill>
+                  <a:srgbClr val="156082"/>
+                </a:solidFill>
+                <a:effectLst/>
+                <a:latin typeface="Menlo" panose="020B0609030804020204" pitchFamily="49" charset="0"/>
+                <a:ea typeface="Times New Roman" panose="02020603050405020304" pitchFamily="18" charset="0"/>
+              </a:rPr>
+              <a:t>table</a:t>
+            </a:r>
+            <a:r>
+              <a:rPr lang="de-DE" sz="1000" dirty="0">
+                <a:solidFill>
+                  <a:srgbClr val="156082"/>
+                </a:solidFill>
+                <a:effectLst/>
+                <a:latin typeface="Menlo" panose="020B0609030804020204" pitchFamily="49" charset="0"/>
+                <a:ea typeface="Times New Roman" panose="02020603050405020304" pitchFamily="18" charset="0"/>
+              </a:rPr>
+              <a:t>}</a:t>
+            </a:r>
+            <a:endParaRPr lang="de-DE" sz="1000" dirty="0">
+              <a:effectLst/>
+              <a:latin typeface="Times New Roman" panose="02020603050405020304" pitchFamily="18" charset="0"/>
+              <a:ea typeface="Times New Roman" panose="02020603050405020304" pitchFamily="18" charset="0"/>
+            </a:endParaRPr>
+          </a:p>
+          <a:p>
+            <a:pPr>
+              <a:lnSpc>
+                <a:spcPts val="1350"/>
+              </a:lnSpc>
+              <a:buNone/>
+            </a:pPr>
+            <a:r>
+              <a:rPr lang="de-DE" sz="1000" dirty="0">
+                <a:solidFill>
+                  <a:srgbClr val="000000"/>
+                </a:solidFill>
+                <a:effectLst/>
+                <a:latin typeface="Menlo" panose="020B0609030804020204" pitchFamily="49" charset="0"/>
+                <a:ea typeface="Times New Roman" panose="02020603050405020304" pitchFamily="18" charset="0"/>
+              </a:rPr>
+              <a:t> </a:t>
+            </a:r>
+          </a:p>
+          <a:p>
+            <a:pPr>
+              <a:lnSpc>
+                <a:spcPts val="1350"/>
+              </a:lnSpc>
+              <a:buNone/>
+            </a:pPr>
+            <a:r>
+              <a:rPr lang="de-DE" sz="1000" dirty="0">
+                <a:solidFill>
+                  <a:srgbClr val="A31515"/>
+                </a:solidFill>
+                <a:latin typeface="Menlo" panose="020B0609030804020204" pitchFamily="49" charset="0"/>
+              </a:rPr>
+              <a:t>### Output Format</a:t>
+            </a:r>
+          </a:p>
+          <a:p>
+            <a:pPr>
+              <a:lnSpc>
+                <a:spcPts val="1350"/>
+              </a:lnSpc>
+              <a:buNone/>
+            </a:pPr>
+            <a:endParaRPr lang="de-DE" sz="1000" dirty="0">
+              <a:effectLst/>
+              <a:latin typeface="Times New Roman" panose="02020603050405020304" pitchFamily="18" charset="0"/>
+              <a:ea typeface="Times New Roman" panose="02020603050405020304" pitchFamily="18" charset="0"/>
+            </a:endParaRPr>
+          </a:p>
+          <a:p>
+            <a:pPr>
+              <a:lnSpc>
+                <a:spcPts val="1350"/>
+              </a:lnSpc>
+            </a:pPr>
+            <a:r>
+              <a:rPr lang="de-DE" sz="1000" dirty="0">
+                <a:solidFill>
+                  <a:srgbClr val="A31515"/>
+                </a:solidFill>
+                <a:effectLst/>
+                <a:latin typeface="Menlo" panose="020B0609030804020204" pitchFamily="49" charset="0"/>
+                <a:ea typeface="Times New Roman" panose="02020603050405020304" pitchFamily="18" charset="0"/>
+              </a:rPr>
+              <a:t>Table Summary: </a:t>
+            </a:r>
+            <a:r>
+              <a:rPr lang="de-DE" sz="1000" dirty="0" err="1">
+                <a:solidFill>
+                  <a:srgbClr val="A31515"/>
+                </a:solidFill>
+                <a:effectLst/>
+                <a:latin typeface="Menlo" panose="020B0609030804020204" pitchFamily="49" charset="0"/>
+                <a:ea typeface="Times New Roman" panose="02020603050405020304" pitchFamily="18" charset="0"/>
+              </a:rPr>
+              <a:t>Presented</a:t>
+            </a:r>
+            <a:r>
+              <a:rPr lang="de-DE" sz="1000" dirty="0">
+                <a:solidFill>
+                  <a:srgbClr val="A31515"/>
+                </a:solidFill>
+                <a:effectLst/>
+                <a:latin typeface="Menlo" panose="020B0609030804020204" pitchFamily="49" charset="0"/>
+                <a:ea typeface="Times New Roman" panose="02020603050405020304" pitchFamily="18" charset="0"/>
+              </a:rPr>
+              <a:t> in </a:t>
+            </a:r>
+            <a:r>
+              <a:rPr lang="de-DE" sz="1000" dirty="0" err="1">
+                <a:solidFill>
+                  <a:srgbClr val="A31515"/>
+                </a:solidFill>
+                <a:effectLst/>
+                <a:latin typeface="Menlo" panose="020B0609030804020204" pitchFamily="49" charset="0"/>
+                <a:ea typeface="Times New Roman" panose="02020603050405020304" pitchFamily="18" charset="0"/>
+              </a:rPr>
+              <a:t>this</a:t>
+            </a:r>
+            <a:r>
+              <a:rPr lang="de-DE" sz="1000" dirty="0">
+                <a:solidFill>
+                  <a:srgbClr val="A31515"/>
+                </a:solidFill>
+                <a:effectLst/>
+                <a:latin typeface="Menlo" panose="020B0609030804020204" pitchFamily="49" charset="0"/>
+                <a:ea typeface="Times New Roman" panose="02020603050405020304" pitchFamily="18" charset="0"/>
+              </a:rPr>
+              <a:t> </a:t>
+            </a:r>
+            <a:r>
+              <a:rPr lang="de-DE" sz="1000" dirty="0" err="1">
+                <a:solidFill>
+                  <a:srgbClr val="A31515"/>
+                </a:solidFill>
+                <a:effectLst/>
+                <a:latin typeface="Menlo" panose="020B0609030804020204" pitchFamily="49" charset="0"/>
+                <a:ea typeface="Times New Roman" panose="02020603050405020304" pitchFamily="18" charset="0"/>
+              </a:rPr>
+              <a:t>table</a:t>
+            </a:r>
+            <a:r>
+              <a:rPr lang="de-DE" sz="1000" dirty="0">
+                <a:solidFill>
+                  <a:srgbClr val="A31515"/>
+                </a:solidFill>
+                <a:effectLst/>
+                <a:latin typeface="Menlo" panose="020B0609030804020204" pitchFamily="49" charset="0"/>
+                <a:ea typeface="Times New Roman" panose="02020603050405020304" pitchFamily="18" charset="0"/>
+              </a:rPr>
+              <a:t> &lt;</a:t>
+            </a:r>
+            <a:r>
+              <a:rPr lang="de-DE" sz="1000" dirty="0" err="1">
+                <a:solidFill>
+                  <a:srgbClr val="A31515"/>
+                </a:solidFill>
+                <a:effectLst/>
+                <a:latin typeface="Menlo" panose="020B0609030804020204" pitchFamily="49" charset="0"/>
+                <a:ea typeface="Times New Roman" panose="02020603050405020304" pitchFamily="18" charset="0"/>
+              </a:rPr>
+              <a:t>concise</a:t>
+            </a:r>
+            <a:r>
+              <a:rPr lang="de-DE" sz="1000" dirty="0">
+                <a:solidFill>
+                  <a:srgbClr val="A31515"/>
+                </a:solidFill>
+                <a:effectLst/>
+                <a:latin typeface="Menlo" panose="020B0609030804020204" pitchFamily="49" charset="0"/>
+                <a:ea typeface="Times New Roman" panose="02020603050405020304" pitchFamily="18" charset="0"/>
+              </a:rPr>
+              <a:t> </a:t>
+            </a:r>
+            <a:r>
+              <a:rPr lang="de-DE" sz="1000" dirty="0" err="1">
+                <a:solidFill>
+                  <a:srgbClr val="A31515"/>
+                </a:solidFill>
+                <a:effectLst/>
+                <a:latin typeface="Menlo" panose="020B0609030804020204" pitchFamily="49" charset="0"/>
+                <a:ea typeface="Times New Roman" panose="02020603050405020304" pitchFamily="18" charset="0"/>
+              </a:rPr>
+              <a:t>summary</a:t>
+            </a:r>
+            <a:r>
+              <a:rPr lang="de-DE" sz="1000" dirty="0">
+                <a:solidFill>
+                  <a:srgbClr val="A31515"/>
+                </a:solidFill>
+                <a:effectLst/>
+                <a:latin typeface="Menlo" panose="020B0609030804020204" pitchFamily="49" charset="0"/>
+                <a:ea typeface="Times New Roman" panose="02020603050405020304" pitchFamily="18" charset="0"/>
+              </a:rPr>
+              <a:t> in 3 </a:t>
+            </a:r>
+            <a:r>
+              <a:rPr lang="de-DE" sz="1000" dirty="0" err="1">
+                <a:solidFill>
+                  <a:srgbClr val="A31515"/>
+                </a:solidFill>
+                <a:effectLst/>
+                <a:latin typeface="Menlo" panose="020B0609030804020204" pitchFamily="49" charset="0"/>
+                <a:ea typeface="Times New Roman" panose="02020603050405020304" pitchFamily="18" charset="0"/>
+              </a:rPr>
+              <a:t>sentences</a:t>
+            </a:r>
+            <a:r>
+              <a:rPr lang="de-DE" sz="1000" dirty="0">
+                <a:solidFill>
+                  <a:srgbClr val="A31515"/>
+                </a:solidFill>
+                <a:effectLst/>
+                <a:latin typeface="Menlo" panose="020B0609030804020204" pitchFamily="49" charset="0"/>
+                <a:ea typeface="Times New Roman" panose="02020603050405020304" pitchFamily="18" charset="0"/>
+              </a:rPr>
+              <a:t>&gt;.</a:t>
+            </a:r>
+            <a:endParaRPr lang="de-DE" sz="1000" dirty="0">
+              <a:effectLst/>
+              <a:latin typeface="Times New Roman" panose="02020603050405020304" pitchFamily="18" charset="0"/>
+              <a:ea typeface="Times New Roman" panose="02020603050405020304" pitchFamily="18" charset="0"/>
+            </a:endParaRPr>
+          </a:p>
+        </p:txBody>
+      </p:sp>
+    </p:spTree>
+    <p:extLst>
+      <p:ext uri="{BB962C8B-B14F-4D97-AF65-F5344CB8AC3E}">
+        <p14:creationId xmlns:p14="http://schemas.microsoft.com/office/powerpoint/2010/main" val="3957328441"/>
+      </p:ext>
+    </p:extLst>
+  </p:cSld>
+  <p:clrMapOvr>
+    <a:masterClrMapping/>
+  </p:clrMapOvr>
+</p:sld>
+</file>
+
 <file path=ppt/theme/theme1.xml><?xml version="1.0" encoding="utf-8"?>
 <a:theme xmlns:a="http://schemas.openxmlformats.org/drawingml/2006/main" name="Office">
   <a:themeElements>
